--- a/slides/02_arrays_loops_parameterization.pptx
+++ b/slides/02_arrays_loops_parameterization.pptx
@@ -9766,7 +9766,7 @@
             </a:pPr>
             <a:r>
               <a:rPr lang="de"/>
-              <a:t>02 - Arrays</a:t>
+              <a:t>02 - Arrays, Schleifen und Parametrisierung</a:t>
             </a:r>
             <a:endParaRPr/>
           </a:p>

--- a/slides/02_arrays_loops_parameterization.pptx
+++ b/slides/02_arrays_loops_parameterization.pptx
@@ -801,7 +801,7 @@
   <p:cSld>
     <p:spTree>
       <p:nvGrpSpPr>
-        <p:cNvPr id="158" name="Shape 158"/>
+        <p:cNvPr id="157" name="Shape 157"/>
         <p:cNvGrpSpPr/>
         <p:nvPr/>
       </p:nvGrpSpPr>
@@ -815,7 +815,7 @@
       </p:grpSpPr>
       <p:sp>
         <p:nvSpPr>
-          <p:cNvPr id="159" name="Google Shape;159;gf743ff198f_0_226:notes"/>
+          <p:cNvPr id="158" name="Google Shape;158;gf743ff198f_0_220:notes"/>
           <p:cNvSpPr/>
           <p:nvPr>
             <p:ph idx="2" type="sldImg"/>
@@ -850,7 +850,7 @@
       </p:sp>
       <p:sp>
         <p:nvSpPr>
-          <p:cNvPr id="160" name="Google Shape;160;gf743ff198f_0_226:notes"/>
+          <p:cNvPr id="159" name="Google Shape;159;gf743ff198f_0_220:notes"/>
           <p:cNvSpPr txBox="1"/>
           <p:nvPr>
             <p:ph idx="1" type="body"/>
@@ -914,7 +914,7 @@
       </p:grpSpPr>
       <p:sp>
         <p:nvSpPr>
-          <p:cNvPr id="165" name="Google Shape;165;gf743ff198f_0_231:notes"/>
+          <p:cNvPr id="165" name="Google Shape;165;gf743ff198f_0_226:notes"/>
           <p:cNvSpPr/>
           <p:nvPr>
             <p:ph idx="2" type="sldImg"/>
@@ -949,7 +949,7 @@
       </p:sp>
       <p:sp>
         <p:nvSpPr>
-          <p:cNvPr id="166" name="Google Shape;166;gf743ff198f_0_231:notes"/>
+          <p:cNvPr id="166" name="Google Shape;166;gf743ff198f_0_226:notes"/>
           <p:cNvSpPr txBox="1"/>
           <p:nvPr>
             <p:ph idx="1" type="body"/>
@@ -1706,7 +1706,7 @@
       </p:grpSpPr>
       <p:sp>
         <p:nvSpPr>
-          <p:cNvPr id="144" name="Google Shape;144;gf743ff198f_0_213:notes"/>
+          <p:cNvPr id="144" name="Google Shape;144;gf6482d4a0e_0_0:notes"/>
           <p:cNvSpPr/>
           <p:nvPr>
             <p:ph idx="2" type="sldImg"/>
@@ -1741,7 +1741,7 @@
       </p:sp>
       <p:sp>
         <p:nvSpPr>
-          <p:cNvPr id="145" name="Google Shape;145;gf743ff198f_0_213:notes"/>
+          <p:cNvPr id="145" name="Google Shape;145;gf6482d4a0e_0_0:notes"/>
           <p:cNvSpPr txBox="1"/>
           <p:nvPr>
             <p:ph idx="1" type="body"/>
@@ -1791,7 +1791,7 @@
   <p:cSld>
     <p:spTree>
       <p:nvGrpSpPr>
-        <p:cNvPr id="151" name="Shape 151"/>
+        <p:cNvPr id="149" name="Shape 149"/>
         <p:cNvGrpSpPr/>
         <p:nvPr/>
       </p:nvGrpSpPr>
@@ -1805,7 +1805,7 @@
       </p:grpSpPr>
       <p:sp>
         <p:nvSpPr>
-          <p:cNvPr id="152" name="Google Shape;152;gf743ff198f_0_220:notes"/>
+          <p:cNvPr id="150" name="Google Shape;150;gf743ff198f_0_213:notes"/>
           <p:cNvSpPr/>
           <p:nvPr>
             <p:ph idx="2" type="sldImg"/>
@@ -1840,7 +1840,7 @@
       </p:sp>
       <p:sp>
         <p:nvSpPr>
-          <p:cNvPr id="153" name="Google Shape;153;gf743ff198f_0_220:notes"/>
+          <p:cNvPr id="151" name="Google Shape;151;gf743ff198f_0_213:notes"/>
           <p:cNvSpPr txBox="1"/>
           <p:nvPr>
             <p:ph idx="1" type="body"/>
@@ -9785,7 +9785,7 @@
   <p:cSld>
     <p:spTree>
       <p:nvGrpSpPr>
-        <p:cNvPr id="161" name="Shape 161"/>
+        <p:cNvPr id="160" name="Shape 160"/>
         <p:cNvGrpSpPr/>
         <p:nvPr/>
       </p:nvGrpSpPr>
@@ -9799,7 +9799,7 @@
       </p:grpSpPr>
       <p:sp>
         <p:nvSpPr>
-          <p:cNvPr id="162" name="Google Shape;162;p25"/>
+          <p:cNvPr id="161" name="Google Shape;161;p25"/>
           <p:cNvSpPr txBox="1"/>
           <p:nvPr>
             <p:ph type="title"/>
@@ -9827,11 +9827,16 @@
               <a:spcAft>
                 <a:spcPts val="0"/>
               </a:spcAft>
+              <a:buClr>
+                <a:schemeClr val="dk1"/>
+              </a:buClr>
+              <a:buSzPts val="1100"/>
+              <a:buFont typeface="Arial"/>
               <a:buNone/>
             </a:pPr>
             <a:r>
               <a:rPr lang="de"/>
-              <a:t>4. Fragen</a:t>
+              <a:t>3. Parametrisierung von Programmen</a:t>
             </a:r>
             <a:endParaRPr/>
           </a:p>
@@ -9839,7 +9844,7 @@
       </p:sp>
       <p:sp>
         <p:nvSpPr>
-          <p:cNvPr id="163" name="Google Shape;163;p25"/>
+          <p:cNvPr id="162" name="Google Shape;162;p25"/>
           <p:cNvSpPr/>
           <p:nvPr>
             <p:ph idx="2" type="chart"/>
@@ -9860,163 +9865,118 @@
           </a:bodyPr>
           <a:lstStyle/>
           <a:p>
-            <a:pPr indent="0" lvl="0" marL="0" rtl="0" algn="ctr">
+            <a:pPr indent="-317500" lvl="0" marL="457200" rtl="0" algn="l">
               <a:spcBef>
                 <a:spcPts val="320"/>
               </a:spcBef>
               <a:spcAft>
                 <a:spcPts val="0"/>
               </a:spcAft>
-              <a:buClr>
-                <a:schemeClr val="dk1"/>
-              </a:buClr>
-              <a:buSzPts val="1100"/>
-              <a:buFont typeface="Arial"/>
-              <a:buNone/>
+              <a:buSzPts val="1400"/>
+              <a:buChar char="●"/>
             </a:pPr>
             <a:r>
-              <a:t/>
+              <a:rPr lang="de"/>
+              <a:t>Scanner-Klasse</a:t>
             </a:r>
             <a:endParaRPr/>
           </a:p>
           <a:p>
-            <a:pPr indent="0" lvl="0" marL="0" rtl="0" algn="ctr">
-              <a:spcBef>
-                <a:spcPts val="320"/>
-              </a:spcBef>
-              <a:spcAft>
-                <a:spcPts val="0"/>
-              </a:spcAft>
-              <a:buClr>
-                <a:schemeClr val="dk1"/>
-              </a:buClr>
-              <a:buSzPts val="1100"/>
-              <a:buFont typeface="Arial"/>
-              <a:buNone/>
+            <a:pPr indent="-330200" lvl="1" marL="914400" rtl="0" algn="l">
+              <a:spcBef>
+                <a:spcPts val="0"/>
+              </a:spcBef>
+              <a:spcAft>
+                <a:spcPts val="0"/>
+              </a:spcAft>
+              <a:buSzPts val="1600"/>
+              <a:buChar char="-"/>
             </a:pPr>
             <a:r>
-              <a:t/>
+              <a:rPr lang="de"/>
+              <a:t>Parameter können auch zur Laufzeit des Programms vom Benutzer angefragt werden.</a:t>
             </a:r>
             <a:endParaRPr/>
           </a:p>
           <a:p>
-            <a:pPr indent="0" lvl="0" marL="0" rtl="0" algn="ctr">
-              <a:spcBef>
-                <a:spcPts val="320"/>
-              </a:spcBef>
-              <a:spcAft>
-                <a:spcPts val="0"/>
-              </a:spcAft>
-              <a:buClr>
-                <a:schemeClr val="dk1"/>
-              </a:buClr>
-              <a:buSzPts val="1100"/>
-              <a:buFont typeface="Arial"/>
-              <a:buNone/>
+            <a:pPr indent="-330200" lvl="1" marL="914400" rtl="0" algn="l">
+              <a:spcBef>
+                <a:spcPts val="0"/>
+              </a:spcBef>
+              <a:spcAft>
+                <a:spcPts val="0"/>
+              </a:spcAft>
+              <a:buSzPts val="1600"/>
+              <a:buChar char="-"/>
             </a:pPr>
             <a:r>
-              <a:t/>
+              <a:rPr lang="de"/>
+              <a:t>Dazu gibt es die Scanner-Klasse, die wie folgt verwendet wird</a:t>
             </a:r>
+            <a:br>
+              <a:rPr lang="de"/>
+            </a:br>
+            <a:br>
+              <a:rPr lang="de"/>
+            </a:br>
+            <a:br>
+              <a:rPr lang="de"/>
+            </a:br>
+            <a:br>
+              <a:rPr lang="de"/>
+            </a:br>
+            <a:br>
+              <a:rPr lang="de"/>
+            </a:br>
             <a:endParaRPr/>
           </a:p>
           <a:p>
-            <a:pPr indent="0" lvl="0" marL="0" rtl="0" algn="ctr">
-              <a:spcBef>
-                <a:spcPts val="320"/>
-              </a:spcBef>
-              <a:spcAft>
-                <a:spcPts val="0"/>
-              </a:spcAft>
-              <a:buClr>
-                <a:schemeClr val="dk1"/>
-              </a:buClr>
-              <a:buSzPts val="1100"/>
-              <a:buFont typeface="Arial"/>
-              <a:buNone/>
+            <a:pPr indent="-330200" lvl="1" marL="914400" rtl="0" algn="l">
+              <a:spcBef>
+                <a:spcPts val="0"/>
+              </a:spcBef>
+              <a:spcAft>
+                <a:spcPts val="0"/>
+              </a:spcAft>
+              <a:buSzPts val="1600"/>
+              <a:buChar char="-"/>
             </a:pPr>
             <a:r>
-              <a:t/>
-            </a:r>
-            <a:endParaRPr/>
-          </a:p>
-          <a:p>
-            <a:pPr indent="0" lvl="0" marL="0" rtl="0" algn="ctr">
-              <a:spcBef>
-                <a:spcPts val="320"/>
-              </a:spcBef>
-              <a:spcAft>
-                <a:spcPts val="0"/>
-              </a:spcAft>
-              <a:buClr>
-                <a:schemeClr val="dk1"/>
-              </a:buClr>
-              <a:buSzPts val="1100"/>
-              <a:buFont typeface="Arial"/>
-              <a:buNone/>
-            </a:pPr>
-            <a:r>
-              <a:t/>
-            </a:r>
-            <a:endParaRPr/>
-          </a:p>
-          <a:p>
-            <a:pPr indent="0" lvl="0" marL="0" rtl="0" algn="ctr">
-              <a:spcBef>
-                <a:spcPts val="320"/>
-              </a:spcBef>
-              <a:spcAft>
-                <a:spcPts val="0"/>
-              </a:spcAft>
-              <a:buClr>
-                <a:schemeClr val="dk1"/>
-              </a:buClr>
-              <a:buSzPts val="1100"/>
-              <a:buFont typeface="Arial"/>
-              <a:buNone/>
-            </a:pPr>
-            <a:r>
-              <a:t/>
-            </a:r>
-            <a:endParaRPr/>
-          </a:p>
-          <a:p>
-            <a:pPr indent="0" lvl="0" marL="0" rtl="0" algn="ctr">
-              <a:spcBef>
-                <a:spcPts val="320"/>
-              </a:spcBef>
-              <a:spcAft>
-                <a:spcPts val="0"/>
-              </a:spcAft>
-              <a:buClr>
-                <a:schemeClr val="dk1"/>
-              </a:buClr>
-              <a:buSzPts val="1100"/>
-              <a:buFont typeface="Arial"/>
-              <a:buNone/>
-            </a:pPr>
-            <a:r>
-              <a:rPr lang="de" sz="3600"/>
-              <a:t>Fragen</a:t>
-            </a:r>
-            <a:endParaRPr sz="3600"/>
-          </a:p>
-          <a:p>
-            <a:pPr indent="0" lvl="0" marL="0" rtl="0" algn="l">
-              <a:spcBef>
-                <a:spcPts val="320"/>
-              </a:spcBef>
-              <a:spcAft>
-                <a:spcPts val="0"/>
-              </a:spcAft>
-              <a:buNone/>
-            </a:pPr>
-            <a:r>
-              <a:t/>
+              <a:rPr lang="de"/>
+              <a:t>Das Programm stoppt beim Aufruf von scanner.next() und wartet auf eine Eingabe auf der Kommandozeile. Das ist ein beliebiger String, der mit der Enter-Taste bestätigt wird</a:t>
             </a:r>
             <a:endParaRPr/>
           </a:p>
         </p:txBody>
       </p:sp>
+      <p:pic>
+        <p:nvPicPr>
+          <p:cNvPr id="163" name="Google Shape;163;p25"/>
+          <p:cNvPicPr preferRelativeResize="0"/>
+          <p:nvPr/>
+        </p:nvPicPr>
+        <p:blipFill>
+          <a:blip r:embed="rId3">
+            <a:alphaModFix/>
+          </a:blip>
+          <a:stretch>
+            <a:fillRect/>
+          </a:stretch>
+        </p:blipFill>
+        <p:spPr>
+          <a:xfrm>
+            <a:off x="2367888" y="2051450"/>
+            <a:ext cx="4408225" cy="757100"/>
+          </a:xfrm>
+          <a:prstGeom prst="rect">
+            <a:avLst/>
+          </a:prstGeom>
+          <a:noFill/>
+          <a:ln>
+            <a:noFill/>
+          </a:ln>
+        </p:spPr>
+      </p:pic>
     </p:spTree>
   </p:cSld>
   <p:clrMapOvr>
@@ -10076,7 +10036,7 @@
             </a:pPr>
             <a:r>
               <a:rPr lang="de"/>
-              <a:t>Übungsaufgaben</a:t>
+              <a:t>4. Fragen</a:t>
             </a:r>
             <a:endParaRPr/>
           </a:p>
@@ -10105,121 +10065,145 @@
           </a:bodyPr>
           <a:lstStyle/>
           <a:p>
-            <a:pPr indent="-317500" lvl="0" marL="457200" rtl="0" algn="l">
+            <a:pPr indent="0" lvl="0" marL="0" rtl="0" algn="ctr">
               <a:spcBef>
                 <a:spcPts val="320"/>
               </a:spcBef>
               <a:spcAft>
                 <a:spcPts val="0"/>
               </a:spcAft>
-              <a:buSzPts val="1400"/>
-              <a:buChar char="●"/>
-            </a:pPr>
-            <a:r>
-              <a:rPr lang="de"/>
-              <a:t>Alternative 1: Palindrom-Detektor</a:t>
-            </a:r>
-            <a:endParaRPr/>
-          </a:p>
-          <a:p>
-            <a:pPr indent="-330200" lvl="1" marL="914400" rtl="0" algn="l">
-              <a:spcBef>
-                <a:spcPts val="0"/>
-              </a:spcBef>
-              <a:spcAft>
-                <a:spcPts val="0"/>
-              </a:spcAft>
-              <a:buSzPts val="1600"/>
-              <a:buChar char="-"/>
-            </a:pPr>
-            <a:r>
-              <a:rPr lang="de"/>
-              <a:t>Es soll dem Programm ein String, entweder über Kommandozeilenparameter oder über die Scanner-Klasse übergeben werden können.</a:t>
-            </a:r>
-            <a:endParaRPr/>
-          </a:p>
-          <a:p>
-            <a:pPr indent="-330200" lvl="1" marL="914400" rtl="0" algn="l">
-              <a:spcBef>
-                <a:spcPts val="0"/>
-              </a:spcBef>
-              <a:spcAft>
-                <a:spcPts val="0"/>
-              </a:spcAft>
-              <a:buSzPts val="1600"/>
-              <a:buChar char="-"/>
-            </a:pPr>
-            <a:r>
-              <a:rPr lang="de"/>
-              <a:t>Das Programm soll dann testen, ob der String ein Palindrom ist und dementsprechend eine Kommandozeilenausgabe machen.</a:t>
-            </a:r>
-            <a:endParaRPr/>
-          </a:p>
-          <a:p>
-            <a:pPr indent="-330200" lvl="1" marL="914400" rtl="0" algn="l">
-              <a:spcBef>
-                <a:spcPts val="0"/>
-              </a:spcBef>
-              <a:spcAft>
-                <a:spcPts val="0"/>
-              </a:spcAft>
-              <a:buSzPts val="1600"/>
-              <a:buChar char="-"/>
-            </a:pPr>
-            <a:r>
-              <a:rPr lang="de"/>
-              <a:t>Hinweis: Palindrome sind Zeichenketten, die sich von vorne und von hinter gleich lesen (Beispiel: "anna" ist rückwärts gelesen auch "anna")</a:t>
-            </a:r>
-            <a:endParaRPr/>
-          </a:p>
-          <a:p>
-            <a:pPr indent="-330200" lvl="1" marL="914400" rtl="0" algn="l">
-              <a:spcBef>
-                <a:spcPts val="0"/>
-              </a:spcBef>
-              <a:spcAft>
-                <a:spcPts val="0"/>
-              </a:spcAft>
-              <a:buSzPts val="1600"/>
-              <a:buChar char="-"/>
-            </a:pPr>
-            <a:r>
-              <a:rPr lang="de"/>
-              <a:t>Tipp: mit &lt;String&gt;.charAt(index) kann man auf das Zeichen an einer bestimmten Stelle eines Strings zugreifen. ( =&gt; “asd”.charAt(1) ⇒ ‘d’</a:t>
-            </a:r>
-            <a:endParaRPr/>
-          </a:p>
-          <a:p>
-            <a:pPr indent="-330200" lvl="1" marL="914400" rtl="0" algn="l">
-              <a:spcBef>
-                <a:spcPts val="0"/>
-              </a:spcBef>
-              <a:spcAft>
-                <a:spcPts val="0"/>
-              </a:spcAft>
-              <a:buSzPts val="1600"/>
-              <a:buChar char="-"/>
-            </a:pPr>
-            <a:r>
-              <a:rPr lang="de"/>
-              <a:t>Optional: Umgehen von Case Sensitivität ("Anna" soll auch als Palindrom erkannt werden)</a:t>
-            </a:r>
-            <a:endParaRPr/>
-          </a:p>
-          <a:p>
-            <a:pPr indent="0" lvl="0" marL="0" rtl="0" algn="l">
-              <a:spcBef>
-                <a:spcPts val="320"/>
-              </a:spcBef>
-              <a:spcAft>
-                <a:spcPts val="0"/>
-              </a:spcAft>
+              <a:buClr>
+                <a:schemeClr val="dk1"/>
+              </a:buClr>
+              <a:buSzPts val="1100"/>
+              <a:buFont typeface="Arial"/>
               <a:buNone/>
             </a:pPr>
             <a:r>
               <a:t/>
             </a:r>
             <a:endParaRPr/>
+          </a:p>
+          <a:p>
+            <a:pPr indent="0" lvl="0" marL="0" rtl="0" algn="ctr">
+              <a:spcBef>
+                <a:spcPts val="320"/>
+              </a:spcBef>
+              <a:spcAft>
+                <a:spcPts val="0"/>
+              </a:spcAft>
+              <a:buClr>
+                <a:schemeClr val="dk1"/>
+              </a:buClr>
+              <a:buSzPts val="1100"/>
+              <a:buFont typeface="Arial"/>
+              <a:buNone/>
+            </a:pPr>
+            <a:r>
+              <a:t/>
+            </a:r>
+            <a:endParaRPr/>
+          </a:p>
+          <a:p>
+            <a:pPr indent="0" lvl="0" marL="0" rtl="0" algn="ctr">
+              <a:spcBef>
+                <a:spcPts val="320"/>
+              </a:spcBef>
+              <a:spcAft>
+                <a:spcPts val="0"/>
+              </a:spcAft>
+              <a:buClr>
+                <a:schemeClr val="dk1"/>
+              </a:buClr>
+              <a:buSzPts val="1100"/>
+              <a:buFont typeface="Arial"/>
+              <a:buNone/>
+            </a:pPr>
+            <a:r>
+              <a:t/>
+            </a:r>
+            <a:endParaRPr/>
+          </a:p>
+          <a:p>
+            <a:pPr indent="0" lvl="0" marL="0" rtl="0" algn="ctr">
+              <a:spcBef>
+                <a:spcPts val="320"/>
+              </a:spcBef>
+              <a:spcAft>
+                <a:spcPts val="0"/>
+              </a:spcAft>
+              <a:buClr>
+                <a:schemeClr val="dk1"/>
+              </a:buClr>
+              <a:buSzPts val="1100"/>
+              <a:buFont typeface="Arial"/>
+              <a:buNone/>
+            </a:pPr>
+            <a:r>
+              <a:t/>
+            </a:r>
+            <a:endParaRPr/>
+          </a:p>
+          <a:p>
+            <a:pPr indent="0" lvl="0" marL="0" rtl="0" algn="ctr">
+              <a:spcBef>
+                <a:spcPts val="320"/>
+              </a:spcBef>
+              <a:spcAft>
+                <a:spcPts val="0"/>
+              </a:spcAft>
+              <a:buClr>
+                <a:schemeClr val="dk1"/>
+              </a:buClr>
+              <a:buSzPts val="1100"/>
+              <a:buFont typeface="Arial"/>
+              <a:buNone/>
+            </a:pPr>
+            <a:r>
+              <a:t/>
+            </a:r>
+            <a:endParaRPr/>
+          </a:p>
+          <a:p>
+            <a:pPr indent="0" lvl="0" marL="0" rtl="0" algn="ctr">
+              <a:spcBef>
+                <a:spcPts val="320"/>
+              </a:spcBef>
+              <a:spcAft>
+                <a:spcPts val="0"/>
+              </a:spcAft>
+              <a:buClr>
+                <a:schemeClr val="dk1"/>
+              </a:buClr>
+              <a:buSzPts val="1100"/>
+              <a:buFont typeface="Arial"/>
+              <a:buNone/>
+            </a:pPr>
+            <a:r>
+              <a:t/>
+            </a:r>
+            <a:endParaRPr/>
+          </a:p>
+          <a:p>
+            <a:pPr indent="0" lvl="0" marL="0" rtl="0" algn="ctr">
+              <a:spcBef>
+                <a:spcPts val="320"/>
+              </a:spcBef>
+              <a:spcAft>
+                <a:spcPts val="0"/>
+              </a:spcAft>
+              <a:buClr>
+                <a:schemeClr val="dk1"/>
+              </a:buClr>
+              <a:buSzPts val="1100"/>
+              <a:buFont typeface="Arial"/>
+              <a:buNone/>
+            </a:pPr>
+            <a:r>
+              <a:rPr lang="de" sz="3600"/>
+              <a:t>Fragen</a:t>
+            </a:r>
+            <a:endParaRPr sz="3600"/>
           </a:p>
           <a:p>
             <a:pPr indent="0" lvl="0" marL="0" rtl="0" algn="l">
@@ -10297,7 +10281,7 @@
             </a:pPr>
             <a:r>
               <a:rPr lang="de"/>
-              <a:t>Übungsaufgaben</a:t>
+              <a:t>5. Übungsaufgabe</a:t>
             </a:r>
             <a:endParaRPr/>
           </a:p>
@@ -10326,93 +10310,146 @@
           </a:bodyPr>
           <a:lstStyle/>
           <a:p>
-            <a:pPr indent="-317500" lvl="0" marL="457200" rtl="0" algn="l">
+            <a:pPr indent="0" lvl="0" marL="0" rtl="0" algn="l">
               <a:spcBef>
                 <a:spcPts val="320"/>
               </a:spcBef>
               <a:spcAft>
                 <a:spcPts val="0"/>
               </a:spcAft>
-              <a:buSzPts val="1400"/>
+              <a:buNone/>
+            </a:pPr>
+            <a:r>
+              <a:rPr lang="de" sz="1400"/>
+              <a:t>Wir wollen heute eine kleine “Datenbankabfrage” programmieren. Das Ganze soll wie folgt aussehen:</a:t>
+            </a:r>
+            <a:endParaRPr sz="1400"/>
+          </a:p>
+          <a:p>
+            <a:pPr indent="-304800" lvl="0" marL="457200" rtl="0" algn="l">
+              <a:spcBef>
+                <a:spcPts val="320"/>
+              </a:spcBef>
+              <a:spcAft>
+                <a:spcPts val="0"/>
+              </a:spcAft>
+              <a:buSzPts val="1200"/>
               <a:buChar char="●"/>
             </a:pPr>
             <a:r>
-              <a:rPr lang="de"/>
-              <a:t>Alternative 2: Primzahl-Detektor</a:t>
+              <a:rPr lang="de" sz="1400"/>
+              <a:t>Initial übergibt man dem Programm eine Reihe von Namen als Kommandozeilenparameter, die dann in einem Array gespeichert werden.</a:t>
             </a:r>
-            <a:endParaRPr/>
+            <a:endParaRPr sz="1400"/>
           </a:p>
           <a:p>
-            <a:pPr indent="-330200" lvl="1" marL="914400" rtl="0" algn="l">
-              <a:spcBef>
-                <a:spcPts val="0"/>
-              </a:spcBef>
-              <a:spcAft>
-                <a:spcPts val="0"/>
-              </a:spcAft>
-              <a:buSzPts val="1600"/>
+            <a:pPr indent="-304800" lvl="0" marL="457200" rtl="0" algn="l">
+              <a:spcBef>
+                <a:spcPts val="0"/>
+              </a:spcBef>
+              <a:spcAft>
+                <a:spcPts val="0"/>
+              </a:spcAft>
+              <a:buSzPts val="1200"/>
+              <a:buChar char="●"/>
+            </a:pPr>
+            <a:r>
+              <a:rPr lang="de" sz="1400"/>
+              <a:t>Das Programm soll dann als “ewige Schleife” folgenden Code ausführen:</a:t>
+            </a:r>
+            <a:endParaRPr sz="1400"/>
+          </a:p>
+          <a:p>
+            <a:pPr indent="-304800" lvl="1" marL="914400" rtl="0" algn="l">
+              <a:spcBef>
+                <a:spcPts val="0"/>
+              </a:spcBef>
+              <a:spcAft>
+                <a:spcPts val="0"/>
+              </a:spcAft>
+              <a:buSzPts val="1200"/>
+              <a:buFont typeface="Arial"/>
               <a:buChar char="-"/>
             </a:pPr>
             <a:r>
-              <a:rPr lang="de"/>
-              <a:t>Es soll dem Programm eine Zahl, entweder über Kommandozeilenparameter oder über die Scanner-Klasse übergeben werden können</a:t>
+              <a:rPr lang="de" sz="1400"/>
+              <a:t>Einen Namen als Parameter mit der Scanner-Klasse entgegennehmen.</a:t>
             </a:r>
-            <a:endParaRPr/>
+            <a:endParaRPr sz="1400"/>
           </a:p>
           <a:p>
-            <a:pPr indent="-330200" lvl="1" marL="914400" rtl="0" algn="l">
-              <a:spcBef>
-                <a:spcPts val="0"/>
-              </a:spcBef>
-              <a:spcAft>
-                <a:spcPts val="0"/>
-              </a:spcAft>
-              <a:buSzPts val="1600"/>
+            <a:pPr indent="-304800" lvl="1" marL="914400" rtl="0" algn="l">
+              <a:spcBef>
+                <a:spcPts val="0"/>
+              </a:spcBef>
+              <a:spcAft>
+                <a:spcPts val="0"/>
+              </a:spcAft>
+              <a:buSzPts val="1200"/>
+              <a:buFont typeface="Arial"/>
               <a:buChar char="-"/>
             </a:pPr>
             <a:r>
-              <a:rPr lang="de"/>
-              <a:t>Das </a:t>
+              <a:rPr lang="de" sz="1400"/>
+              <a:t>Ausgeben, ob der Name sich in dem Name-Array befindet.</a:t>
             </a:r>
-            <a:r>
-              <a:rPr lang="de"/>
-              <a:t>Programm soll sich dann den Kommandozeilenparameter nehmen, testen, ob es eine Primzahl ist, und dementsprechend eine Kommandozeilenausgabe machen.</a:t>
-            </a:r>
-            <a:endParaRPr/>
+            <a:endParaRPr sz="1400"/>
           </a:p>
           <a:p>
-            <a:pPr indent="-330200" lvl="1" marL="914400" rtl="0" algn="l">
-              <a:spcBef>
-                <a:spcPts val="0"/>
-              </a:spcBef>
-              <a:spcAft>
-                <a:spcPts val="0"/>
-              </a:spcAft>
-              <a:buSzPts val="1600"/>
+            <a:pPr indent="-304800" lvl="1" marL="914400" rtl="0" algn="l">
+              <a:spcBef>
+                <a:spcPts val="0"/>
+              </a:spcBef>
+              <a:spcAft>
+                <a:spcPts val="0"/>
+              </a:spcAft>
+              <a:buSzPts val="1200"/>
+              <a:buFont typeface="Arial"/>
               <a:buChar char="-"/>
             </a:pPr>
             <a:r>
-              <a:rPr lang="de"/>
-              <a:t>Hinweis: Primzahlen sind Zahlen, die nur durch 1 und sich selber restlos teilbar sind. 0 und 1 sind keine Primzahlen. Negative Zahlen sind per Definition keine Primzahlen.</a:t>
+              <a:rPr lang="de" sz="1400"/>
+              <a:t>Das Programm soll erst enden, wenn der Nutzer als Namen-Parameter den String “quit” übergibt, ansonsten immer nach dem nächsten Namen fragen.</a:t>
             </a:r>
-            <a:endParaRPr/>
+            <a:endParaRPr sz="1400"/>
           </a:p>
           <a:p>
-            <a:pPr indent="-330200" lvl="1" marL="914400" rtl="0" algn="l">
-              <a:spcBef>
-                <a:spcPts val="0"/>
-              </a:spcBef>
-              <a:spcAft>
-                <a:spcPts val="0"/>
-              </a:spcAft>
-              <a:buSzPts val="1600"/>
-              <a:buChar char="-"/>
+            <a:pPr indent="-304800" lvl="0" marL="457200" rtl="0" algn="l">
+              <a:spcBef>
+                <a:spcPts val="0"/>
+              </a:spcBef>
+              <a:spcAft>
+                <a:spcPts val="0"/>
+              </a:spcAft>
+              <a:buSzPts val="1200"/>
+              <a:buChar char="●"/>
             </a:pPr>
             <a:r>
-              <a:rPr lang="de"/>
-              <a:t>Hinweis: Der Rest einer Division lässt sich mit dem Modulo (%) Operator berechnen</a:t>
+              <a:rPr lang="de" sz="1400"/>
+              <a:t>Hinweis: Strings lassen sich nicht sinnvoll mit dem == Operator vergleichen (kommen wir später noch zu, wenn dich der Hintergrund jetzt interessiert, frag uns gerne). Strings vergleicht man mit der equals-Methode (“string1.equals(string2)” anstatt “string1 == string2”) </a:t>
             </a:r>
-            <a:endParaRPr/>
+            <a:endParaRPr sz="1400"/>
+          </a:p>
+          <a:p>
+            <a:pPr indent="-304800" lvl="0" marL="457200" rtl="0" algn="l">
+              <a:spcBef>
+                <a:spcPts val="0"/>
+              </a:spcBef>
+              <a:spcAft>
+                <a:spcPts val="0"/>
+              </a:spcAft>
+              <a:buSzPts val="1200"/>
+              <a:buChar char="●"/>
+            </a:pPr>
+            <a:r>
+              <a:rPr lang="de" sz="1400"/>
+              <a:t>optional: </a:t>
+            </a:r>
+            <a:r>
+              <a:rPr lang="de" sz="1400"/>
+              <a:t>Falls der übergebene Name sich nicht in dem Array befindet soll der Name zum Datensatz hinzugefügt werden (Vorsicht: Arrays haben eine fixe Länge, also musst du hier etwas überlegen. Frag uns gerne, wenn du hier nicht weiterkommst.)</a:t>
+            </a:r>
+            <a:endParaRPr sz="1500"/>
           </a:p>
         </p:txBody>
       </p:sp>
@@ -10504,7 +10541,7 @@
           </a:bodyPr>
           <a:lstStyle/>
           <a:p>
-            <a:pPr indent="-330200" lvl="0" marL="457200" rtl="0" algn="l">
+            <a:pPr indent="-323850" lvl="0" marL="457200" rtl="0" algn="l">
               <a:spcBef>
                 <a:spcPts val="320"/>
               </a:spcBef>
@@ -10514,17 +10551,17 @@
               <a:buClr>
                 <a:schemeClr val="dk1"/>
               </a:buClr>
-              <a:buSzPts val="1600"/>
+              <a:buSzPts val="1500"/>
               <a:buAutoNum type="arabicPeriod"/>
             </a:pPr>
             <a:r>
-              <a:rPr lang="de"/>
+              <a:rPr lang="de" sz="1500"/>
               <a:t>Arrays</a:t>
             </a:r>
-            <a:endParaRPr/>
+            <a:endParaRPr sz="1500"/>
           </a:p>
           <a:p>
-            <a:pPr indent="-330200" lvl="1" marL="914400" rtl="0" algn="l">
+            <a:pPr indent="-323850" lvl="1" marL="914400" rtl="0" algn="l">
               <a:spcBef>
                 <a:spcPts val="0"/>
               </a:spcBef>
@@ -10534,17 +10571,17 @@
               <a:buClr>
                 <a:schemeClr val="dk1"/>
               </a:buClr>
-              <a:buSzPts val="1600"/>
+              <a:buSzPts val="1500"/>
               <a:buAutoNum type="arabicPeriod"/>
             </a:pPr>
             <a:r>
-              <a:rPr lang="de"/>
+              <a:rPr lang="de" sz="1500"/>
               <a:t>Deklaration</a:t>
             </a:r>
-            <a:endParaRPr/>
+            <a:endParaRPr sz="1500"/>
           </a:p>
           <a:p>
-            <a:pPr indent="-330200" lvl="1" marL="914400" rtl="0" algn="l">
+            <a:pPr indent="-323850" lvl="1" marL="914400" rtl="0" algn="l">
               <a:spcBef>
                 <a:spcPts val="0"/>
               </a:spcBef>
@@ -10554,37 +10591,37 @@
               <a:buClr>
                 <a:schemeClr val="dk1"/>
               </a:buClr>
-              <a:buSzPts val="1600"/>
+              <a:buSzPts val="1500"/>
               <a:buAutoNum type="arabicPeriod"/>
             </a:pPr>
             <a:r>
-              <a:rPr lang="de"/>
+              <a:rPr lang="de" sz="1500"/>
               <a:t>Nutzung</a:t>
             </a:r>
-            <a:endParaRPr/>
+            <a:endParaRPr sz="1500"/>
           </a:p>
           <a:p>
-            <a:pPr indent="-330200" lvl="1" marL="914400" rtl="0" algn="l">
-              <a:spcBef>
-                <a:spcPts val="0"/>
-              </a:spcBef>
-              <a:spcAft>
-                <a:spcPts val="0"/>
-              </a:spcAft>
-              <a:buSzPts val="1600"/>
+            <a:pPr indent="-323850" lvl="1" marL="914400" rtl="0" algn="l">
+              <a:spcBef>
+                <a:spcPts val="0"/>
+              </a:spcBef>
+              <a:spcAft>
+                <a:spcPts val="0"/>
+              </a:spcAft>
+              <a:buSzPts val="1500"/>
               <a:buAutoNum type="arabicPeriod"/>
             </a:pPr>
             <a:r>
-              <a:rPr lang="de"/>
+              <a:rPr lang="de" sz="1500"/>
               <a:t>Mehrdimensionale Arrays</a:t>
             </a:r>
             <a:br>
-              <a:rPr lang="de"/>
+              <a:rPr lang="de" sz="1500"/>
             </a:br>
-            <a:endParaRPr/>
+            <a:endParaRPr sz="1500"/>
           </a:p>
           <a:p>
-            <a:pPr indent="-330200" lvl="0" marL="457200" rtl="0" algn="l">
+            <a:pPr indent="-323850" lvl="0" marL="457200" rtl="0" algn="l">
               <a:spcBef>
                 <a:spcPts val="0"/>
               </a:spcBef>
@@ -10594,68 +10631,85 @@
               <a:buClr>
                 <a:schemeClr val="dk1"/>
               </a:buClr>
-              <a:buSzPts val="1600"/>
+              <a:buSzPts val="1500"/>
               <a:buAutoNum type="arabicPeriod"/>
             </a:pPr>
             <a:r>
-              <a:rPr lang="de"/>
+              <a:rPr lang="de" sz="1500"/>
               <a:t>Schleifen</a:t>
             </a:r>
-            <a:endParaRPr/>
+            <a:endParaRPr sz="1500"/>
           </a:p>
           <a:p>
-            <a:pPr indent="-330200" lvl="1" marL="914400" rtl="0" algn="l">
-              <a:spcBef>
-                <a:spcPts val="0"/>
-              </a:spcBef>
-              <a:spcAft>
-                <a:spcPts val="0"/>
-              </a:spcAft>
-              <a:buSzPts val="1600"/>
+            <a:pPr indent="-323850" lvl="1" marL="914400" rtl="0" algn="l">
+              <a:spcBef>
+                <a:spcPts val="0"/>
+              </a:spcBef>
+              <a:spcAft>
+                <a:spcPts val="0"/>
+              </a:spcAft>
+              <a:buSzPts val="1500"/>
               <a:buAutoNum type="arabicPeriod"/>
             </a:pPr>
             <a:r>
-              <a:rPr lang="de"/>
+              <a:rPr lang="de" sz="1500"/>
               <a:t>while &amp; do-while</a:t>
             </a:r>
-            <a:endParaRPr/>
+            <a:endParaRPr sz="1500"/>
           </a:p>
           <a:p>
-            <a:pPr indent="-330200" lvl="1" marL="914400" rtl="0" algn="l">
-              <a:spcBef>
-                <a:spcPts val="0"/>
-              </a:spcBef>
-              <a:spcAft>
-                <a:spcPts val="0"/>
-              </a:spcAft>
-              <a:buSzPts val="1600"/>
+            <a:pPr indent="-323850" lvl="1" marL="914400" rtl="0" algn="l">
+              <a:spcBef>
+                <a:spcPts val="0"/>
+              </a:spcBef>
+              <a:spcAft>
+                <a:spcPts val="0"/>
+              </a:spcAft>
+              <a:buSzPts val="1500"/>
               <a:buAutoNum type="arabicPeriod"/>
             </a:pPr>
             <a:r>
-              <a:rPr lang="de"/>
+              <a:rPr lang="de" sz="1500"/>
               <a:t>for &amp; forEach</a:t>
             </a:r>
-            <a:br>
-              <a:rPr lang="de"/>
-            </a:br>
-            <a:endParaRPr/>
+            <a:endParaRPr sz="1500"/>
           </a:p>
           <a:p>
-            <a:pPr indent="-330200" lvl="0" marL="457200" rtl="0" algn="l">
-              <a:spcBef>
-                <a:spcPts val="0"/>
-              </a:spcBef>
-              <a:spcAft>
-                <a:spcPts val="0"/>
-              </a:spcAft>
-              <a:buSzPts val="1600"/>
+            <a:pPr indent="-323850" lvl="1" marL="914400" rtl="0" algn="l">
+              <a:spcBef>
+                <a:spcPts val="0"/>
+              </a:spcBef>
+              <a:spcAft>
+                <a:spcPts val="0"/>
+              </a:spcAft>
+              <a:buSzPts val="1500"/>
               <a:buAutoNum type="arabicPeriod"/>
             </a:pPr>
             <a:r>
-              <a:rPr lang="de"/>
+              <a:rPr lang="de" sz="1500"/>
+              <a:t>break &amp; continue</a:t>
+            </a:r>
+            <a:br>
+              <a:rPr lang="de" sz="1500"/>
+            </a:br>
+            <a:endParaRPr sz="1500"/>
+          </a:p>
+          <a:p>
+            <a:pPr indent="-323850" lvl="0" marL="457200" rtl="0" algn="l">
+              <a:spcBef>
+                <a:spcPts val="0"/>
+              </a:spcBef>
+              <a:spcAft>
+                <a:spcPts val="0"/>
+              </a:spcAft>
+              <a:buSzPts val="1500"/>
+              <a:buAutoNum type="arabicPeriod"/>
+            </a:pPr>
+            <a:r>
+              <a:rPr lang="de" sz="1500"/>
               <a:t>Parametrisierung von Programmen</a:t>
             </a:r>
-            <a:endParaRPr/>
+            <a:endParaRPr sz="1500"/>
           </a:p>
           <a:p>
             <a:pPr indent="0" lvl="0" marL="0" rtl="0" algn="l">
@@ -10675,10 +10729,10 @@
             <a:r>
               <a:t/>
             </a:r>
-            <a:endParaRPr/>
+            <a:endParaRPr sz="1500"/>
           </a:p>
           <a:p>
-            <a:pPr indent="-330200" lvl="0" marL="457200" rtl="0" algn="l">
+            <a:pPr indent="-323850" lvl="0" marL="457200" rtl="0" algn="l">
               <a:spcBef>
                 <a:spcPts val="320"/>
               </a:spcBef>
@@ -10688,20 +10742,20 @@
               <a:buClr>
                 <a:schemeClr val="dk1"/>
               </a:buClr>
-              <a:buSzPts val="1600"/>
+              <a:buSzPts val="1500"/>
               <a:buAutoNum type="arabicPeriod"/>
             </a:pPr>
             <a:r>
-              <a:rPr lang="de"/>
+              <a:rPr lang="de" sz="1500"/>
               <a:t>Fragen</a:t>
             </a:r>
             <a:br>
-              <a:rPr lang="de"/>
+              <a:rPr lang="de" sz="1500"/>
             </a:br>
-            <a:endParaRPr/>
+            <a:endParaRPr sz="1500"/>
           </a:p>
           <a:p>
-            <a:pPr indent="-330200" lvl="0" marL="457200" rtl="0" algn="l">
+            <a:pPr indent="-323850" lvl="0" marL="457200" rtl="0" algn="l">
               <a:spcBef>
                 <a:spcPts val="0"/>
               </a:spcBef>
@@ -10711,14 +10765,14 @@
               <a:buClr>
                 <a:schemeClr val="dk1"/>
               </a:buClr>
-              <a:buSzPts val="1600"/>
+              <a:buSzPts val="1500"/>
               <a:buAutoNum type="arabicPeriod"/>
             </a:pPr>
             <a:r>
-              <a:rPr lang="de"/>
+              <a:rPr lang="de" sz="1500"/>
               <a:t>Übungsaufgabe</a:t>
             </a:r>
-            <a:endParaRPr/>
+            <a:endParaRPr sz="1500"/>
           </a:p>
         </p:txBody>
       </p:sp>
@@ -12380,7 +12434,7 @@
             </a:pPr>
             <a:r>
               <a:rPr lang="de"/>
-              <a:t>3. Parametrisierung von Programmen</a:t>
+              <a:t>2.3. break &amp; continue</a:t>
             </a:r>
             <a:endParaRPr/>
           </a:p>
@@ -12420,8 +12474,8 @@
               <a:buChar char="●"/>
             </a:pPr>
             <a:r>
-              <a:rPr lang="de"/>
-              <a:t>Kommandozeilen-Parameter</a:t>
+              <a:rPr b="1" lang="de"/>
+              <a:t>break;</a:t>
             </a:r>
             <a:endParaRPr/>
           </a:p>
@@ -12438,11 +12492,42 @@
             </a:pPr>
             <a:r>
               <a:rPr lang="de"/>
-              <a:t>Man kann ein Java-Programm mit Parametern aufrufen</a:t>
+              <a:t>Kann in Schleifen und switch-case-Statements verwendet werden</a:t>
             </a:r>
-            <a:br>
+            <a:endParaRPr b="1"/>
+          </a:p>
+          <a:p>
+            <a:pPr indent="-330200" lvl="1" marL="914400" rtl="0" algn="l">
+              <a:spcBef>
+                <a:spcPts val="0"/>
+              </a:spcBef>
+              <a:spcAft>
+                <a:spcPts val="0"/>
+              </a:spcAft>
+              <a:buSzPts val="1600"/>
+              <a:buChar char="-"/>
+            </a:pPr>
+            <a:r>
               <a:rPr lang="de"/>
-            </a:br>
+              <a:t>Kontrollstruktur wird an der Stelle beendet. Es wird bei dem Programmcode nach der Kontrollstruktur weiter gelesen</a:t>
+            </a:r>
+            <a:endParaRPr/>
+          </a:p>
+          <a:p>
+            <a:pPr indent="-330200" lvl="1" marL="914400" rtl="0" algn="l">
+              <a:spcBef>
+                <a:spcPts val="0"/>
+              </a:spcBef>
+              <a:spcAft>
+                <a:spcPts val="0"/>
+              </a:spcAft>
+              <a:buSzPts val="1600"/>
+              <a:buChar char="-"/>
+            </a:pPr>
+            <a:r>
+              <a:rPr lang="de"/>
+              <a:t>mit dem break-Statement springt man immer nur aus der innersten Schleife raus.</a:t>
+            </a:r>
             <a:br>
               <a:rPr lang="de"/>
             </a:br>
@@ -12452,6 +12537,23 @@
             <a:endParaRPr/>
           </a:p>
           <a:p>
+            <a:pPr indent="-317500" lvl="0" marL="457200" rtl="0" algn="l">
+              <a:spcBef>
+                <a:spcPts val="0"/>
+              </a:spcBef>
+              <a:spcAft>
+                <a:spcPts val="0"/>
+              </a:spcAft>
+              <a:buSzPts val="1400"/>
+              <a:buChar char="●"/>
+            </a:pPr>
+            <a:r>
+              <a:rPr b="1" lang="de"/>
+              <a:t>continue;</a:t>
+            </a:r>
+            <a:endParaRPr/>
+          </a:p>
+          <a:p>
             <a:pPr indent="-330200" lvl="1" marL="914400" rtl="0" algn="l">
               <a:spcBef>
                 <a:spcPts val="0"/>
@@ -12464,7 +12566,7 @@
             </a:pPr>
             <a:r>
               <a:rPr lang="de"/>
-              <a:t>Die Parameter werden dann als String-Array an die main-Funktion übergeben ( =&gt; String[ ] args )</a:t>
+              <a:t>Kann nur in Schleifen verwendet werden</a:t>
             </a:r>
             <a:endParaRPr/>
           </a:p>
@@ -12481,68 +12583,29 @@
             </a:pPr>
             <a:r>
               <a:rPr lang="de"/>
-              <a:t>Variablen können falls notwendig zum passenden Datentypen geparst werden</a:t>
+              <a:t>Es wird direkt mit der nächsten Iteration der Schleife begonnen, ohne den weiteren Programmcode der aktuellen Iteration auszuführen.</a:t>
+            </a:r>
+            <a:endParaRPr/>
+          </a:p>
+          <a:p>
+            <a:pPr indent="-330200" lvl="1" marL="914400" rtl="0" algn="l">
+              <a:spcBef>
+                <a:spcPts val="0"/>
+              </a:spcBef>
+              <a:spcAft>
+                <a:spcPts val="0"/>
+              </a:spcAft>
+              <a:buSzPts val="1600"/>
+              <a:buChar char="-"/>
+            </a:pPr>
+            <a:r>
+              <a:rPr lang="de"/>
+              <a:t>mit dem continue-Statement springt man in die nächste Iteration der innersten Schleife</a:t>
             </a:r>
             <a:endParaRPr/>
           </a:p>
         </p:txBody>
       </p:sp>
-      <p:pic>
-        <p:nvPicPr>
-          <p:cNvPr id="149" name="Google Shape;149;p23"/>
-          <p:cNvPicPr preferRelativeResize="0"/>
-          <p:nvPr/>
-        </p:nvPicPr>
-        <p:blipFill>
-          <a:blip r:embed="rId3">
-            <a:alphaModFix/>
-          </a:blip>
-          <a:stretch>
-            <a:fillRect/>
-          </a:stretch>
-        </p:blipFill>
-        <p:spPr>
-          <a:xfrm>
-            <a:off x="1601535" y="1421950"/>
-            <a:ext cx="5940925" cy="268975"/>
-          </a:xfrm>
-          <a:prstGeom prst="rect">
-            <a:avLst/>
-          </a:prstGeom>
-          <a:noFill/>
-          <a:ln>
-            <a:noFill/>
-          </a:ln>
-        </p:spPr>
-      </p:pic>
-      <p:pic>
-        <p:nvPicPr>
-          <p:cNvPr id="150" name="Google Shape;150;p23"/>
-          <p:cNvPicPr preferRelativeResize="0"/>
-          <p:nvPr/>
-        </p:nvPicPr>
-        <p:blipFill>
-          <a:blip r:embed="rId4">
-            <a:alphaModFix/>
-          </a:blip>
-          <a:stretch>
-            <a:fillRect/>
-          </a:stretch>
-        </p:blipFill>
-        <p:spPr>
-          <a:xfrm>
-            <a:off x="1906550" y="2938778"/>
-            <a:ext cx="5162227" cy="1354825"/>
-          </a:xfrm>
-          <a:prstGeom prst="rect">
-            <a:avLst/>
-          </a:prstGeom>
-          <a:noFill/>
-          <a:ln>
-            <a:noFill/>
-          </a:ln>
-        </p:spPr>
-      </p:pic>
     </p:spTree>
   </p:cSld>
   <p:clrMapOvr>
@@ -12556,7 +12619,7 @@
   <p:cSld>
     <p:spTree>
       <p:nvGrpSpPr>
-        <p:cNvPr id="154" name="Shape 154"/>
+        <p:cNvPr id="152" name="Shape 152"/>
         <p:cNvGrpSpPr/>
         <p:nvPr/>
       </p:nvGrpSpPr>
@@ -12570,7 +12633,7 @@
       </p:grpSpPr>
       <p:sp>
         <p:nvSpPr>
-          <p:cNvPr id="155" name="Google Shape;155;p24"/>
+          <p:cNvPr id="153" name="Google Shape;153;p24"/>
           <p:cNvSpPr txBox="1"/>
           <p:nvPr>
             <p:ph type="title"/>
@@ -12598,11 +12661,6 @@
               <a:spcAft>
                 <a:spcPts val="0"/>
               </a:spcAft>
-              <a:buClr>
-                <a:schemeClr val="dk1"/>
-              </a:buClr>
-              <a:buSzPts val="1100"/>
-              <a:buFont typeface="Arial"/>
               <a:buNone/>
             </a:pPr>
             <a:r>
@@ -12615,7 +12673,7 @@
       </p:sp>
       <p:sp>
         <p:nvSpPr>
-          <p:cNvPr id="156" name="Google Shape;156;p24"/>
+          <p:cNvPr id="154" name="Google Shape;154;p24"/>
           <p:cNvSpPr/>
           <p:nvPr>
             <p:ph idx="2" type="chart"/>
@@ -12648,7 +12706,7 @@
             </a:pPr>
             <a:r>
               <a:rPr lang="de"/>
-              <a:t>Scanner-Klasse</a:t>
+              <a:t>Kommandozeilen-Parameter</a:t>
             </a:r>
             <a:endParaRPr/>
           </a:p>
@@ -12665,7 +12723,30 @@
             </a:pPr>
             <a:r>
               <a:rPr lang="de"/>
-              <a:t>Parameter können auch zur Laufzeit des Programms vom Benutzer angefragt werden.</a:t>
+              <a:t>Man kann ein Java-Programm mit Parametern aufrufen</a:t>
+            </a:r>
+            <a:br>
+              <a:rPr lang="de"/>
+            </a:br>
+            <a:br>
+              <a:rPr lang="de"/>
+            </a:br>
+            <a:endParaRPr/>
+          </a:p>
+          <a:p>
+            <a:pPr indent="-330200" lvl="1" marL="914400" rtl="0" algn="l">
+              <a:spcBef>
+                <a:spcPts val="0"/>
+              </a:spcBef>
+              <a:spcAft>
+                <a:spcPts val="0"/>
+              </a:spcAft>
+              <a:buSzPts val="1600"/>
+              <a:buChar char="-"/>
+            </a:pPr>
+            <a:r>
+              <a:rPr lang="de"/>
+              <a:t>Die Parameter werden dann als String-Array an die main-Funktion übergeben ( =&gt; String[ ] args )</a:t>
             </a:r>
             <a:endParaRPr/>
           </a:p>
@@ -12682,8 +12763,11 @@
             </a:pPr>
             <a:r>
               <a:rPr lang="de"/>
-              <a:t>Dazu gibt es die Scanner-Klasse, die wie folgt verwendet wird</a:t>
+              <a:t>Variablen können falls notwendig zum passenden Datentypen geparst werden</a:t>
             </a:r>
+            <a:br>
+              <a:rPr lang="de"/>
+            </a:br>
             <a:br>
               <a:rPr lang="de"/>
             </a:br>
@@ -12714,7 +12798,7 @@
             </a:pPr>
             <a:r>
               <a:rPr lang="de"/>
-              <a:t>Das Programm stoppt beim Aufruf von scanner.next() und wartet auf eine Eingabe auf der Kommandozeile. Das ist ein beliebiger String, der mit der Entertaste bestätigt wird</a:t>
+              <a:t>Möchte man einen String mit Leerzeichen übergeben, muss man diesen in Anführungszeichen setzen, damit es als einzelner Parameter betrachtet wird</a:t>
             </a:r>
             <a:endParaRPr/>
           </a:p>
@@ -12722,7 +12806,7 @@
       </p:sp>
       <p:pic>
         <p:nvPicPr>
-          <p:cNvPr id="157" name="Google Shape;157;p24"/>
+          <p:cNvPr id="155" name="Google Shape;155;p24"/>
           <p:cNvPicPr preferRelativeResize="0"/>
           <p:nvPr/>
         </p:nvPicPr>
@@ -12736,8 +12820,36 @@
         </p:blipFill>
         <p:spPr>
           <a:xfrm>
-            <a:off x="2367888" y="2051450"/>
-            <a:ext cx="4408225" cy="757100"/>
+            <a:off x="1354638" y="1359698"/>
+            <a:ext cx="6530024" cy="259625"/>
+          </a:xfrm>
+          <a:prstGeom prst="rect">
+            <a:avLst/>
+          </a:prstGeom>
+          <a:noFill/>
+          <a:ln>
+            <a:noFill/>
+          </a:ln>
+        </p:spPr>
+      </p:pic>
+      <p:pic>
+        <p:nvPicPr>
+          <p:cNvPr id="156" name="Google Shape;156;p24"/>
+          <p:cNvPicPr preferRelativeResize="0"/>
+          <p:nvPr/>
+        </p:nvPicPr>
+        <p:blipFill>
+          <a:blip r:embed="rId4">
+            <a:alphaModFix/>
+          </a:blip>
+          <a:stretch>
+            <a:fillRect/>
+          </a:stretch>
+        </p:blipFill>
+        <p:spPr>
+          <a:xfrm>
+            <a:off x="2676900" y="2571750"/>
+            <a:ext cx="3790200" cy="1259025"/>
           </a:xfrm>
           <a:prstGeom prst="rect">
             <a:avLst/>
@@ -12757,6 +12869,285 @@
 </file>
 
 <file path=ppt/theme/theme1.xml><?xml version="1.0" encoding="utf-8"?>
+<a:theme xmlns:a="http://schemas.openxmlformats.org/drawingml/2006/main" xmlns:r="http://schemas.openxmlformats.org/officeDocument/2006/relationships">
+  <a:themeElements>
+    <a:clrScheme name="Default">
+      <a:dk1>
+        <a:srgbClr val="000000"/>
+      </a:dk1>
+      <a:lt1>
+        <a:srgbClr val="FFFFFF"/>
+      </a:lt1>
+      <a:dk2>
+        <a:srgbClr val="158158"/>
+      </a:dk2>
+      <a:lt2>
+        <a:srgbClr val="F3F3F3"/>
+      </a:lt2>
+      <a:accent1>
+        <a:srgbClr val="058DC7"/>
+      </a:accent1>
+      <a:accent2>
+        <a:srgbClr val="50B432"/>
+      </a:accent2>
+      <a:accent3>
+        <a:srgbClr val="ED561B"/>
+      </a:accent3>
+      <a:accent4>
+        <a:srgbClr val="EDEF00"/>
+      </a:accent4>
+      <a:accent5>
+        <a:srgbClr val="24CBE5"/>
+      </a:accent5>
+      <a:accent6>
+        <a:srgbClr val="64E572"/>
+      </a:accent6>
+      <a:hlink>
+        <a:srgbClr val="2200CC"/>
+      </a:hlink>
+      <a:folHlink>
+        <a:srgbClr val="551A8B"/>
+      </a:folHlink>
+    </a:clrScheme>
+    <a:fontScheme name="Office">
+      <a:majorFont>
+        <a:latin typeface="Arial"/>
+        <a:ea typeface=""/>
+        <a:cs typeface=""/>
+        <a:font script="Jpan" typeface="ＭＳ Ｐゴシック"/>
+        <a:font script="Hang" typeface="맑은 고딕"/>
+        <a:font script="Hans" typeface="宋体"/>
+        <a:font script="Hant" typeface="新細明體"/>
+        <a:font script="Arab" typeface="Times New Roman"/>
+        <a:font script="Hebr" typeface="Times New Roman"/>
+        <a:font script="Thai" typeface="Angsana New"/>
+        <a:font script="Ethi" typeface="Nyala"/>
+        <a:font script="Beng" typeface="Vrinda"/>
+        <a:font script="Gujr" typeface="Shruti"/>
+        <a:font script="Khmr" typeface="MoolBoran"/>
+        <a:font script="Knda" typeface="Tunga"/>
+        <a:font script="Guru" typeface="Raavi"/>
+        <a:font script="Cans" typeface="Euphemia"/>
+        <a:font script="Cher" typeface="Plantagenet Cherokee"/>
+        <a:font script="Yiii" typeface="Microsoft Yi Baiti"/>
+        <a:font script="Tibt" typeface="Microsoft Himalaya"/>
+        <a:font script="Thaa" typeface="MV Boli"/>
+        <a:font script="Deva" typeface="Mangal"/>
+        <a:font script="Telu" typeface="Gautami"/>
+        <a:font script="Taml" typeface="Latha"/>
+        <a:font script="Syrc" typeface="Estrangelo Edessa"/>
+        <a:font script="Orya" typeface="Kalinga"/>
+        <a:font script="Mlym" typeface="Kartika"/>
+        <a:font script="Laoo" typeface="DokChampa"/>
+        <a:font script="Sinh" typeface="Iskoola Pota"/>
+        <a:font script="Mong" typeface="Mongolian Baiti"/>
+        <a:font script="Viet" typeface="Times New Roman"/>
+        <a:font script="Uigh" typeface="Microsoft Uighur"/>
+        <a:font script="Geor" typeface="Sylfaen"/>
+      </a:majorFont>
+      <a:minorFont>
+        <a:latin typeface="Arial"/>
+        <a:ea typeface=""/>
+        <a:cs typeface=""/>
+        <a:font script="Jpan" typeface="ＭＳ Ｐゴシック"/>
+        <a:font script="Hang" typeface="맑은 고딕"/>
+        <a:font script="Hans" typeface="宋体"/>
+        <a:font script="Hant" typeface="新細明體"/>
+        <a:font script="Arab" typeface="Arial"/>
+        <a:font script="Hebr" typeface="Arial"/>
+        <a:font script="Thai" typeface="Cordia New"/>
+        <a:font script="Ethi" typeface="Nyala"/>
+        <a:font script="Beng" typeface="Vrinda"/>
+        <a:font script="Gujr" typeface="Shruti"/>
+        <a:font script="Khmr" typeface="DaunPenh"/>
+        <a:font script="Knda" typeface="Tunga"/>
+        <a:font script="Guru" typeface="Raavi"/>
+        <a:font script="Cans" typeface="Euphemia"/>
+        <a:font script="Cher" typeface="Plantagenet Cherokee"/>
+        <a:font script="Yiii" typeface="Microsoft Yi Baiti"/>
+        <a:font script="Tibt" typeface="Microsoft Himalaya"/>
+        <a:font script="Thaa" typeface="MV Boli"/>
+        <a:font script="Deva" typeface="Mangal"/>
+        <a:font script="Telu" typeface="Gautami"/>
+        <a:font script="Taml" typeface="Latha"/>
+        <a:font script="Syrc" typeface="Estrangelo Edessa"/>
+        <a:font script="Orya" typeface="Kalinga"/>
+        <a:font script="Mlym" typeface="Kartika"/>
+        <a:font script="Laoo" typeface="DokChampa"/>
+        <a:font script="Sinh" typeface="Iskoola Pota"/>
+        <a:font script="Mong" typeface="Mongolian Baiti"/>
+        <a:font script="Viet" typeface="Arial"/>
+        <a:font script="Uigh" typeface="Microsoft Uighur"/>
+        <a:font script="Geor" typeface="Sylfaen"/>
+      </a:minorFont>
+    </a:fontScheme>
+    <a:fmtScheme name="Office">
+      <a:fillStyleLst>
+        <a:solidFill>
+          <a:schemeClr val="phClr"/>
+        </a:solidFill>
+        <a:gradFill rotWithShape="1">
+          <a:gsLst>
+            <a:gs pos="0">
+              <a:schemeClr val="phClr">
+                <a:tint val="50000"/>
+                <a:satMod val="300000"/>
+              </a:schemeClr>
+            </a:gs>
+            <a:gs pos="35000">
+              <a:schemeClr val="phClr">
+                <a:tint val="37000"/>
+                <a:satMod val="300000"/>
+              </a:schemeClr>
+            </a:gs>
+            <a:gs pos="100000">
+              <a:schemeClr val="phClr">
+                <a:tint val="15000"/>
+                <a:satMod val="350000"/>
+              </a:schemeClr>
+            </a:gs>
+          </a:gsLst>
+          <a:lin ang="16200000" scaled="1"/>
+        </a:gradFill>
+        <a:gradFill rotWithShape="1">
+          <a:gsLst>
+            <a:gs pos="0">
+              <a:schemeClr val="phClr">
+                <a:tint val="100000"/>
+                <a:shade val="100000"/>
+                <a:satMod val="130000"/>
+              </a:schemeClr>
+            </a:gs>
+            <a:gs pos="100000">
+              <a:schemeClr val="phClr">
+                <a:tint val="50000"/>
+                <a:shade val="100000"/>
+                <a:satMod val="350000"/>
+              </a:schemeClr>
+            </a:gs>
+          </a:gsLst>
+          <a:lin ang="16200000" scaled="0"/>
+        </a:gradFill>
+      </a:fillStyleLst>
+      <a:lnStyleLst>
+        <a:ln w="9525" cap="flat" cmpd="sng" algn="ctr">
+          <a:solidFill>
+            <a:schemeClr val="phClr">
+              <a:shade val="95000"/>
+              <a:satMod val="105000"/>
+            </a:schemeClr>
+          </a:solidFill>
+          <a:prstDash val="solid"/>
+        </a:ln>
+        <a:ln w="25400" cap="flat" cmpd="sng" algn="ctr">
+          <a:solidFill>
+            <a:schemeClr val="phClr"/>
+          </a:solidFill>
+          <a:prstDash val="solid"/>
+        </a:ln>
+        <a:ln w="38100" cap="flat" cmpd="sng" algn="ctr">
+          <a:solidFill>
+            <a:schemeClr val="phClr"/>
+          </a:solidFill>
+          <a:prstDash val="solid"/>
+        </a:ln>
+      </a:lnStyleLst>
+      <a:effectStyleLst>
+        <a:effectStyle>
+          <a:effectLst>
+            <a:outerShdw blurRad="40000" dist="20000" dir="5400000" rotWithShape="0">
+              <a:srgbClr val="000000">
+                <a:alpha val="38000"/>
+              </a:srgbClr>
+            </a:outerShdw>
+          </a:effectLst>
+        </a:effectStyle>
+        <a:effectStyle>
+          <a:effectLst>
+            <a:outerShdw blurRad="40000" dist="23000" dir="5400000" rotWithShape="0">
+              <a:srgbClr val="000000">
+                <a:alpha val="35000"/>
+              </a:srgbClr>
+            </a:outerShdw>
+          </a:effectLst>
+        </a:effectStyle>
+        <a:effectStyle>
+          <a:effectLst>
+            <a:outerShdw blurRad="40000" dist="23000" dir="5400000" rotWithShape="0">
+              <a:srgbClr val="000000">
+                <a:alpha val="35000"/>
+              </a:srgbClr>
+            </a:outerShdw>
+          </a:effectLst>
+          <a:scene3d>
+            <a:camera prst="orthographicFront">
+              <a:rot lat="0" lon="0" rev="0"/>
+            </a:camera>
+            <a:lightRig rig="threePt" dir="t">
+              <a:rot lat="0" lon="0" rev="1200000"/>
+            </a:lightRig>
+          </a:scene3d>
+          <a:sp3d>
+            <a:bevelT w="63500" h="25400"/>
+          </a:sp3d>
+        </a:effectStyle>
+      </a:effectStyleLst>
+      <a:bgFillStyleLst>
+        <a:solidFill>
+          <a:schemeClr val="phClr"/>
+        </a:solidFill>
+        <a:gradFill rotWithShape="1">
+          <a:gsLst>
+            <a:gs pos="0">
+              <a:schemeClr val="phClr">
+                <a:tint val="40000"/>
+                <a:satMod val="350000"/>
+              </a:schemeClr>
+            </a:gs>
+            <a:gs pos="40000">
+              <a:schemeClr val="phClr">
+                <a:tint val="45000"/>
+                <a:shade val="99000"/>
+                <a:satMod val="350000"/>
+              </a:schemeClr>
+            </a:gs>
+            <a:gs pos="100000">
+              <a:schemeClr val="phClr">
+                <a:shade val="20000"/>
+                <a:satMod val="255000"/>
+              </a:schemeClr>
+            </a:gs>
+          </a:gsLst>
+          <a:path path="circle">
+            <a:fillToRect l="50000" t="-80000" r="50000" b="180000"/>
+          </a:path>
+        </a:gradFill>
+        <a:gradFill rotWithShape="1">
+          <a:gsLst>
+            <a:gs pos="0">
+              <a:schemeClr val="phClr">
+                <a:tint val="80000"/>
+                <a:satMod val="300000"/>
+              </a:schemeClr>
+            </a:gs>
+            <a:gs pos="100000">
+              <a:schemeClr val="phClr">
+                <a:shade val="30000"/>
+                <a:satMod val="200000"/>
+              </a:schemeClr>
+            </a:gs>
+          </a:gsLst>
+          <a:path path="circle">
+            <a:fillToRect l="50000" t="50000" r="50000" b="50000"/>
+          </a:path>
+        </a:gradFill>
+      </a:bgFillStyleLst>
+    </a:fmtScheme>
+  </a:themeElements>
+</a:theme>
+</file>
+
+<file path=ppt/theme/theme2.xml><?xml version="1.0" encoding="utf-8"?>
 <a:theme xmlns:a="http://schemas.openxmlformats.org/drawingml/2006/main" xmlns:r="http://schemas.openxmlformats.org/officeDocument/2006/relationships" name="TUBraunschweig_PPT2007_Folienpool_pptx">
   <a:themeElements>
     <a:clrScheme name="TU Braunschweig">
@@ -13033,283 +13424,4 @@
     </a:fmtScheme>
   </a:themeElements>
 </a:theme>
-</file>
-
-<file path=ppt/theme/theme2.xml><?xml version="1.0" encoding="utf-8"?>
-<a:theme xmlns:a="http://schemas.openxmlformats.org/drawingml/2006/main" xmlns:r="http://schemas.openxmlformats.org/officeDocument/2006/relationships">
-  <a:themeElements>
-    <a:clrScheme name="Default">
-      <a:dk1>
-        <a:srgbClr val="000000"/>
-      </a:dk1>
-      <a:lt1>
-        <a:srgbClr val="FFFFFF"/>
-      </a:lt1>
-      <a:dk2>
-        <a:srgbClr val="158158"/>
-      </a:dk2>
-      <a:lt2>
-        <a:srgbClr val="F3F3F3"/>
-      </a:lt2>
-      <a:accent1>
-        <a:srgbClr val="058DC7"/>
-      </a:accent1>
-      <a:accent2>
-        <a:srgbClr val="50B432"/>
-      </a:accent2>
-      <a:accent3>
-        <a:srgbClr val="ED561B"/>
-      </a:accent3>
-      <a:accent4>
-        <a:srgbClr val="EDEF00"/>
-      </a:accent4>
-      <a:accent5>
-        <a:srgbClr val="24CBE5"/>
-      </a:accent5>
-      <a:accent6>
-        <a:srgbClr val="64E572"/>
-      </a:accent6>
-      <a:hlink>
-        <a:srgbClr val="2200CC"/>
-      </a:hlink>
-      <a:folHlink>
-        <a:srgbClr val="551A8B"/>
-      </a:folHlink>
-    </a:clrScheme>
-    <a:fontScheme name="Office">
-      <a:majorFont>
-        <a:latin typeface="Arial"/>
-        <a:ea typeface=""/>
-        <a:cs typeface=""/>
-        <a:font script="Jpan" typeface="ＭＳ Ｐゴシック"/>
-        <a:font script="Hang" typeface="맑은 고딕"/>
-        <a:font script="Hans" typeface="宋体"/>
-        <a:font script="Hant" typeface="新細明體"/>
-        <a:font script="Arab" typeface="Times New Roman"/>
-        <a:font script="Hebr" typeface="Times New Roman"/>
-        <a:font script="Thai" typeface="Angsana New"/>
-        <a:font script="Ethi" typeface="Nyala"/>
-        <a:font script="Beng" typeface="Vrinda"/>
-        <a:font script="Gujr" typeface="Shruti"/>
-        <a:font script="Khmr" typeface="MoolBoran"/>
-        <a:font script="Knda" typeface="Tunga"/>
-        <a:font script="Guru" typeface="Raavi"/>
-        <a:font script="Cans" typeface="Euphemia"/>
-        <a:font script="Cher" typeface="Plantagenet Cherokee"/>
-        <a:font script="Yiii" typeface="Microsoft Yi Baiti"/>
-        <a:font script="Tibt" typeface="Microsoft Himalaya"/>
-        <a:font script="Thaa" typeface="MV Boli"/>
-        <a:font script="Deva" typeface="Mangal"/>
-        <a:font script="Telu" typeface="Gautami"/>
-        <a:font script="Taml" typeface="Latha"/>
-        <a:font script="Syrc" typeface="Estrangelo Edessa"/>
-        <a:font script="Orya" typeface="Kalinga"/>
-        <a:font script="Mlym" typeface="Kartika"/>
-        <a:font script="Laoo" typeface="DokChampa"/>
-        <a:font script="Sinh" typeface="Iskoola Pota"/>
-        <a:font script="Mong" typeface="Mongolian Baiti"/>
-        <a:font script="Viet" typeface="Times New Roman"/>
-        <a:font script="Uigh" typeface="Microsoft Uighur"/>
-        <a:font script="Geor" typeface="Sylfaen"/>
-      </a:majorFont>
-      <a:minorFont>
-        <a:latin typeface="Arial"/>
-        <a:ea typeface=""/>
-        <a:cs typeface=""/>
-        <a:font script="Jpan" typeface="ＭＳ Ｐゴシック"/>
-        <a:font script="Hang" typeface="맑은 고딕"/>
-        <a:font script="Hans" typeface="宋体"/>
-        <a:font script="Hant" typeface="新細明體"/>
-        <a:font script="Arab" typeface="Arial"/>
-        <a:font script="Hebr" typeface="Arial"/>
-        <a:font script="Thai" typeface="Cordia New"/>
-        <a:font script="Ethi" typeface="Nyala"/>
-        <a:font script="Beng" typeface="Vrinda"/>
-        <a:font script="Gujr" typeface="Shruti"/>
-        <a:font script="Khmr" typeface="DaunPenh"/>
-        <a:font script="Knda" typeface="Tunga"/>
-        <a:font script="Guru" typeface="Raavi"/>
-        <a:font script="Cans" typeface="Euphemia"/>
-        <a:font script="Cher" typeface="Plantagenet Cherokee"/>
-        <a:font script="Yiii" typeface="Microsoft Yi Baiti"/>
-        <a:font script="Tibt" typeface="Microsoft Himalaya"/>
-        <a:font script="Thaa" typeface="MV Boli"/>
-        <a:font script="Deva" typeface="Mangal"/>
-        <a:font script="Telu" typeface="Gautami"/>
-        <a:font script="Taml" typeface="Latha"/>
-        <a:font script="Syrc" typeface="Estrangelo Edessa"/>
-        <a:font script="Orya" typeface="Kalinga"/>
-        <a:font script="Mlym" typeface="Kartika"/>
-        <a:font script="Laoo" typeface="DokChampa"/>
-        <a:font script="Sinh" typeface="Iskoola Pota"/>
-        <a:font script="Mong" typeface="Mongolian Baiti"/>
-        <a:font script="Viet" typeface="Arial"/>
-        <a:font script="Uigh" typeface="Microsoft Uighur"/>
-        <a:font script="Geor" typeface="Sylfaen"/>
-      </a:minorFont>
-    </a:fontScheme>
-    <a:fmtScheme name="Office">
-      <a:fillStyleLst>
-        <a:solidFill>
-          <a:schemeClr val="phClr"/>
-        </a:solidFill>
-        <a:gradFill rotWithShape="1">
-          <a:gsLst>
-            <a:gs pos="0">
-              <a:schemeClr val="phClr">
-                <a:tint val="50000"/>
-                <a:satMod val="300000"/>
-              </a:schemeClr>
-            </a:gs>
-            <a:gs pos="35000">
-              <a:schemeClr val="phClr">
-                <a:tint val="37000"/>
-                <a:satMod val="300000"/>
-              </a:schemeClr>
-            </a:gs>
-            <a:gs pos="100000">
-              <a:schemeClr val="phClr">
-                <a:tint val="15000"/>
-                <a:satMod val="350000"/>
-              </a:schemeClr>
-            </a:gs>
-          </a:gsLst>
-          <a:lin ang="16200000" scaled="1"/>
-        </a:gradFill>
-        <a:gradFill rotWithShape="1">
-          <a:gsLst>
-            <a:gs pos="0">
-              <a:schemeClr val="phClr">
-                <a:tint val="100000"/>
-                <a:shade val="100000"/>
-                <a:satMod val="130000"/>
-              </a:schemeClr>
-            </a:gs>
-            <a:gs pos="100000">
-              <a:schemeClr val="phClr">
-                <a:tint val="50000"/>
-                <a:shade val="100000"/>
-                <a:satMod val="350000"/>
-              </a:schemeClr>
-            </a:gs>
-          </a:gsLst>
-          <a:lin ang="16200000" scaled="0"/>
-        </a:gradFill>
-      </a:fillStyleLst>
-      <a:lnStyleLst>
-        <a:ln w="9525" cap="flat" cmpd="sng" algn="ctr">
-          <a:solidFill>
-            <a:schemeClr val="phClr">
-              <a:shade val="95000"/>
-              <a:satMod val="105000"/>
-            </a:schemeClr>
-          </a:solidFill>
-          <a:prstDash val="solid"/>
-        </a:ln>
-        <a:ln w="25400" cap="flat" cmpd="sng" algn="ctr">
-          <a:solidFill>
-            <a:schemeClr val="phClr"/>
-          </a:solidFill>
-          <a:prstDash val="solid"/>
-        </a:ln>
-        <a:ln w="38100" cap="flat" cmpd="sng" algn="ctr">
-          <a:solidFill>
-            <a:schemeClr val="phClr"/>
-          </a:solidFill>
-          <a:prstDash val="solid"/>
-        </a:ln>
-      </a:lnStyleLst>
-      <a:effectStyleLst>
-        <a:effectStyle>
-          <a:effectLst>
-            <a:outerShdw blurRad="40000" dist="20000" dir="5400000" rotWithShape="0">
-              <a:srgbClr val="000000">
-                <a:alpha val="38000"/>
-              </a:srgbClr>
-            </a:outerShdw>
-          </a:effectLst>
-        </a:effectStyle>
-        <a:effectStyle>
-          <a:effectLst>
-            <a:outerShdw blurRad="40000" dist="23000" dir="5400000" rotWithShape="0">
-              <a:srgbClr val="000000">
-                <a:alpha val="35000"/>
-              </a:srgbClr>
-            </a:outerShdw>
-          </a:effectLst>
-        </a:effectStyle>
-        <a:effectStyle>
-          <a:effectLst>
-            <a:outerShdw blurRad="40000" dist="23000" dir="5400000" rotWithShape="0">
-              <a:srgbClr val="000000">
-                <a:alpha val="35000"/>
-              </a:srgbClr>
-            </a:outerShdw>
-          </a:effectLst>
-          <a:scene3d>
-            <a:camera prst="orthographicFront">
-              <a:rot lat="0" lon="0" rev="0"/>
-            </a:camera>
-            <a:lightRig rig="threePt" dir="t">
-              <a:rot lat="0" lon="0" rev="1200000"/>
-            </a:lightRig>
-          </a:scene3d>
-          <a:sp3d>
-            <a:bevelT w="63500" h="25400"/>
-          </a:sp3d>
-        </a:effectStyle>
-      </a:effectStyleLst>
-      <a:bgFillStyleLst>
-        <a:solidFill>
-          <a:schemeClr val="phClr"/>
-        </a:solidFill>
-        <a:gradFill rotWithShape="1">
-          <a:gsLst>
-            <a:gs pos="0">
-              <a:schemeClr val="phClr">
-                <a:tint val="40000"/>
-                <a:satMod val="350000"/>
-              </a:schemeClr>
-            </a:gs>
-            <a:gs pos="40000">
-              <a:schemeClr val="phClr">
-                <a:tint val="45000"/>
-                <a:shade val="99000"/>
-                <a:satMod val="350000"/>
-              </a:schemeClr>
-            </a:gs>
-            <a:gs pos="100000">
-              <a:schemeClr val="phClr">
-                <a:shade val="20000"/>
-                <a:satMod val="255000"/>
-              </a:schemeClr>
-            </a:gs>
-          </a:gsLst>
-          <a:path path="circle">
-            <a:fillToRect l="50000" t="-80000" r="50000" b="180000"/>
-          </a:path>
-        </a:gradFill>
-        <a:gradFill rotWithShape="1">
-          <a:gsLst>
-            <a:gs pos="0">
-              <a:schemeClr val="phClr">
-                <a:tint val="80000"/>
-                <a:satMod val="300000"/>
-              </a:schemeClr>
-            </a:gs>
-            <a:gs pos="100000">
-              <a:schemeClr val="phClr">
-                <a:shade val="30000"/>
-                <a:satMod val="200000"/>
-              </a:schemeClr>
-            </a:gs>
-          </a:gsLst>
-          <a:path path="circle">
-            <a:fillToRect l="50000" t="50000" r="50000" b="50000"/>
-          </a:path>
-        </a:gradFill>
-      </a:bgFillStyleLst>
-    </a:fmtScheme>
-  </a:themeElements>
-</a:theme>
 </file>
--- a/slides/02_arrays_loops_parameterization.pptx
+++ b/slides/02_arrays_loops_parameterization.pptx
@@ -10203,21 +10203,6 @@
               <a:rPr lang="de" sz="3600"/>
               <a:t>Fragen</a:t>
             </a:r>
-            <a:endParaRPr sz="3600"/>
-          </a:p>
-          <a:p>
-            <a:pPr indent="0" lvl="0" marL="0" rtl="0" algn="l">
-              <a:spcBef>
-                <a:spcPts val="320"/>
-              </a:spcBef>
-              <a:spcAft>
-                <a:spcPts val="0"/>
-              </a:spcAft>
-              <a:buNone/>
-            </a:pPr>
-            <a:r>
-              <a:t/>
-            </a:r>
             <a:endParaRPr/>
           </a:p>
         </p:txBody>
@@ -12869,6 +12854,285 @@
 </file>
 
 <file path=ppt/theme/theme1.xml><?xml version="1.0" encoding="utf-8"?>
+<a:theme xmlns:a="http://schemas.openxmlformats.org/drawingml/2006/main" xmlns:r="http://schemas.openxmlformats.org/officeDocument/2006/relationships" name="TUBraunschweig_PPT2007_Folienpool_pptx">
+  <a:themeElements>
+    <a:clrScheme name="TU Braunschweig">
+      <a:dk1>
+        <a:srgbClr val="000000"/>
+      </a:dk1>
+      <a:lt1>
+        <a:srgbClr val="FFFFFF"/>
+      </a:lt1>
+      <a:dk2>
+        <a:srgbClr val="000000"/>
+      </a:dk2>
+      <a:lt2>
+        <a:srgbClr val="DDDDDD"/>
+      </a:lt2>
+      <a:accent1>
+        <a:srgbClr val="BE1E3C"/>
+      </a:accent1>
+      <a:accent2>
+        <a:srgbClr val="4DA6CB"/>
+      </a:accent2>
+      <a:accent3>
+        <a:srgbClr val="ADBF4D"/>
+      </a:accent3>
+      <a:accent4>
+        <a:srgbClr val="FA6E00"/>
+      </a:accent4>
+      <a:accent5>
+        <a:srgbClr val="407E97"/>
+      </a:accent5>
+      <a:accent6>
+        <a:srgbClr val="984098"/>
+      </a:accent6>
+      <a:hlink>
+        <a:srgbClr val="BE1E3C"/>
+      </a:hlink>
+      <a:folHlink>
+        <a:srgbClr val="760054"/>
+      </a:folHlink>
+    </a:clrScheme>
+    <a:fontScheme name="Office">
+      <a:majorFont>
+        <a:latin typeface="Arial"/>
+        <a:ea typeface=""/>
+        <a:cs typeface=""/>
+        <a:font script="Jpan" typeface="ＭＳ Ｐゴシック"/>
+        <a:font script="Hang" typeface="맑은 고딕"/>
+        <a:font script="Hans" typeface="宋体"/>
+        <a:font script="Hant" typeface="新細明體"/>
+        <a:font script="Arab" typeface="Times New Roman"/>
+        <a:font script="Hebr" typeface="Times New Roman"/>
+        <a:font script="Thai" typeface="Angsana New"/>
+        <a:font script="Ethi" typeface="Nyala"/>
+        <a:font script="Beng" typeface="Vrinda"/>
+        <a:font script="Gujr" typeface="Shruti"/>
+        <a:font script="Khmr" typeface="MoolBoran"/>
+        <a:font script="Knda" typeface="Tunga"/>
+        <a:font script="Guru" typeface="Raavi"/>
+        <a:font script="Cans" typeface="Euphemia"/>
+        <a:font script="Cher" typeface="Plantagenet Cherokee"/>
+        <a:font script="Yiii" typeface="Microsoft Yi Baiti"/>
+        <a:font script="Tibt" typeface="Microsoft Himalaya"/>
+        <a:font script="Thaa" typeface="MV Boli"/>
+        <a:font script="Deva" typeface="Mangal"/>
+        <a:font script="Telu" typeface="Gautami"/>
+        <a:font script="Taml" typeface="Latha"/>
+        <a:font script="Syrc" typeface="Estrangelo Edessa"/>
+        <a:font script="Orya" typeface="Kalinga"/>
+        <a:font script="Mlym" typeface="Kartika"/>
+        <a:font script="Laoo" typeface="DokChampa"/>
+        <a:font script="Sinh" typeface="Iskoola Pota"/>
+        <a:font script="Mong" typeface="Mongolian Baiti"/>
+        <a:font script="Viet" typeface="Times New Roman"/>
+        <a:font script="Uigh" typeface="Microsoft Uighur"/>
+        <a:font script="Geor" typeface="Sylfaen"/>
+      </a:majorFont>
+      <a:minorFont>
+        <a:latin typeface="Arial"/>
+        <a:ea typeface=""/>
+        <a:cs typeface=""/>
+        <a:font script="Jpan" typeface="ＭＳ Ｐゴシック"/>
+        <a:font script="Hang" typeface="맑은 고딕"/>
+        <a:font script="Hans" typeface="宋体"/>
+        <a:font script="Hant" typeface="新細明體"/>
+        <a:font script="Arab" typeface="Arial"/>
+        <a:font script="Hebr" typeface="Arial"/>
+        <a:font script="Thai" typeface="Cordia New"/>
+        <a:font script="Ethi" typeface="Nyala"/>
+        <a:font script="Beng" typeface="Vrinda"/>
+        <a:font script="Gujr" typeface="Shruti"/>
+        <a:font script="Khmr" typeface="DaunPenh"/>
+        <a:font script="Knda" typeface="Tunga"/>
+        <a:font script="Guru" typeface="Raavi"/>
+        <a:font script="Cans" typeface="Euphemia"/>
+        <a:font script="Cher" typeface="Plantagenet Cherokee"/>
+        <a:font script="Yiii" typeface="Microsoft Yi Baiti"/>
+        <a:font script="Tibt" typeface="Microsoft Himalaya"/>
+        <a:font script="Thaa" typeface="MV Boli"/>
+        <a:font script="Deva" typeface="Mangal"/>
+        <a:font script="Telu" typeface="Gautami"/>
+        <a:font script="Taml" typeface="Latha"/>
+        <a:font script="Syrc" typeface="Estrangelo Edessa"/>
+        <a:font script="Orya" typeface="Kalinga"/>
+        <a:font script="Mlym" typeface="Kartika"/>
+        <a:font script="Laoo" typeface="DokChampa"/>
+        <a:font script="Sinh" typeface="Iskoola Pota"/>
+        <a:font script="Mong" typeface="Mongolian Baiti"/>
+        <a:font script="Viet" typeface="Arial"/>
+        <a:font script="Uigh" typeface="Microsoft Uighur"/>
+        <a:font script="Geor" typeface="Sylfaen"/>
+      </a:minorFont>
+    </a:fontScheme>
+    <a:fmtScheme name="Office">
+      <a:fillStyleLst>
+        <a:solidFill>
+          <a:schemeClr val="phClr"/>
+        </a:solidFill>
+        <a:gradFill rotWithShape="1">
+          <a:gsLst>
+            <a:gs pos="0">
+              <a:schemeClr val="phClr">
+                <a:tint val="50000"/>
+                <a:satMod val="300000"/>
+              </a:schemeClr>
+            </a:gs>
+            <a:gs pos="35000">
+              <a:schemeClr val="phClr">
+                <a:tint val="37000"/>
+                <a:satMod val="300000"/>
+              </a:schemeClr>
+            </a:gs>
+            <a:gs pos="100000">
+              <a:schemeClr val="phClr">
+                <a:tint val="15000"/>
+                <a:satMod val="350000"/>
+              </a:schemeClr>
+            </a:gs>
+          </a:gsLst>
+          <a:lin ang="16200000" scaled="1"/>
+        </a:gradFill>
+        <a:gradFill rotWithShape="1">
+          <a:gsLst>
+            <a:gs pos="0">
+              <a:schemeClr val="phClr">
+                <a:tint val="100000"/>
+                <a:shade val="100000"/>
+                <a:satMod val="130000"/>
+              </a:schemeClr>
+            </a:gs>
+            <a:gs pos="100000">
+              <a:schemeClr val="phClr">
+                <a:tint val="50000"/>
+                <a:shade val="100000"/>
+                <a:satMod val="350000"/>
+              </a:schemeClr>
+            </a:gs>
+          </a:gsLst>
+          <a:lin ang="16200000" scaled="0"/>
+        </a:gradFill>
+      </a:fillStyleLst>
+      <a:lnStyleLst>
+        <a:ln w="9525" cap="flat" cmpd="sng" algn="ctr">
+          <a:solidFill>
+            <a:schemeClr val="phClr">
+              <a:shade val="95000"/>
+              <a:satMod val="105000"/>
+            </a:schemeClr>
+          </a:solidFill>
+          <a:prstDash val="solid"/>
+        </a:ln>
+        <a:ln w="25400" cap="flat" cmpd="sng" algn="ctr">
+          <a:solidFill>
+            <a:schemeClr val="phClr"/>
+          </a:solidFill>
+          <a:prstDash val="solid"/>
+        </a:ln>
+        <a:ln w="38100" cap="flat" cmpd="sng" algn="ctr">
+          <a:solidFill>
+            <a:schemeClr val="phClr"/>
+          </a:solidFill>
+          <a:prstDash val="solid"/>
+        </a:ln>
+      </a:lnStyleLst>
+      <a:effectStyleLst>
+        <a:effectStyle>
+          <a:effectLst>
+            <a:outerShdw blurRad="40000" dist="20000" dir="5400000" rotWithShape="0">
+              <a:srgbClr val="000000">
+                <a:alpha val="38000"/>
+              </a:srgbClr>
+            </a:outerShdw>
+          </a:effectLst>
+        </a:effectStyle>
+        <a:effectStyle>
+          <a:effectLst>
+            <a:outerShdw blurRad="40000" dist="23000" dir="5400000" rotWithShape="0">
+              <a:srgbClr val="000000">
+                <a:alpha val="35000"/>
+              </a:srgbClr>
+            </a:outerShdw>
+          </a:effectLst>
+        </a:effectStyle>
+        <a:effectStyle>
+          <a:effectLst>
+            <a:outerShdw blurRad="40000" dist="23000" dir="5400000" rotWithShape="0">
+              <a:srgbClr val="000000">
+                <a:alpha val="35000"/>
+              </a:srgbClr>
+            </a:outerShdw>
+          </a:effectLst>
+          <a:scene3d>
+            <a:camera prst="orthographicFront">
+              <a:rot lat="0" lon="0" rev="0"/>
+            </a:camera>
+            <a:lightRig rig="threePt" dir="t">
+              <a:rot lat="0" lon="0" rev="1200000"/>
+            </a:lightRig>
+          </a:scene3d>
+          <a:sp3d>
+            <a:bevelT w="63500" h="25400"/>
+          </a:sp3d>
+        </a:effectStyle>
+      </a:effectStyleLst>
+      <a:bgFillStyleLst>
+        <a:solidFill>
+          <a:schemeClr val="phClr"/>
+        </a:solidFill>
+        <a:gradFill rotWithShape="1">
+          <a:gsLst>
+            <a:gs pos="0">
+              <a:schemeClr val="phClr">
+                <a:tint val="40000"/>
+                <a:satMod val="350000"/>
+              </a:schemeClr>
+            </a:gs>
+            <a:gs pos="40000">
+              <a:schemeClr val="phClr">
+                <a:tint val="45000"/>
+                <a:shade val="99000"/>
+                <a:satMod val="350000"/>
+              </a:schemeClr>
+            </a:gs>
+            <a:gs pos="100000">
+              <a:schemeClr val="phClr">
+                <a:shade val="20000"/>
+                <a:satMod val="255000"/>
+              </a:schemeClr>
+            </a:gs>
+          </a:gsLst>
+          <a:path path="circle">
+            <a:fillToRect l="50000" t="-80000" r="50000" b="180000"/>
+          </a:path>
+        </a:gradFill>
+        <a:gradFill rotWithShape="1">
+          <a:gsLst>
+            <a:gs pos="0">
+              <a:schemeClr val="phClr">
+                <a:tint val="80000"/>
+                <a:satMod val="300000"/>
+              </a:schemeClr>
+            </a:gs>
+            <a:gs pos="100000">
+              <a:schemeClr val="phClr">
+                <a:shade val="30000"/>
+                <a:satMod val="200000"/>
+              </a:schemeClr>
+            </a:gs>
+          </a:gsLst>
+          <a:path path="circle">
+            <a:fillToRect l="50000" t="50000" r="50000" b="50000"/>
+          </a:path>
+        </a:gradFill>
+      </a:bgFillStyleLst>
+    </a:fmtScheme>
+  </a:themeElements>
+</a:theme>
+</file>
+
+<file path=ppt/theme/theme2.xml><?xml version="1.0" encoding="utf-8"?>
 <a:theme xmlns:a="http://schemas.openxmlformats.org/drawingml/2006/main" xmlns:r="http://schemas.openxmlformats.org/officeDocument/2006/relationships">
   <a:themeElements>
     <a:clrScheme name="Default">
@@ -13145,283 +13409,4 @@
     </a:fmtScheme>
   </a:themeElements>
 </a:theme>
-</file>
-
-<file path=ppt/theme/theme2.xml><?xml version="1.0" encoding="utf-8"?>
-<a:theme xmlns:a="http://schemas.openxmlformats.org/drawingml/2006/main" xmlns:r="http://schemas.openxmlformats.org/officeDocument/2006/relationships" name="TUBraunschweig_PPT2007_Folienpool_pptx">
-  <a:themeElements>
-    <a:clrScheme name="TU Braunschweig">
-      <a:dk1>
-        <a:srgbClr val="000000"/>
-      </a:dk1>
-      <a:lt1>
-        <a:srgbClr val="FFFFFF"/>
-      </a:lt1>
-      <a:dk2>
-        <a:srgbClr val="000000"/>
-      </a:dk2>
-      <a:lt2>
-        <a:srgbClr val="DDDDDD"/>
-      </a:lt2>
-      <a:accent1>
-        <a:srgbClr val="BE1E3C"/>
-      </a:accent1>
-      <a:accent2>
-        <a:srgbClr val="4DA6CB"/>
-      </a:accent2>
-      <a:accent3>
-        <a:srgbClr val="ADBF4D"/>
-      </a:accent3>
-      <a:accent4>
-        <a:srgbClr val="FA6E00"/>
-      </a:accent4>
-      <a:accent5>
-        <a:srgbClr val="407E97"/>
-      </a:accent5>
-      <a:accent6>
-        <a:srgbClr val="984098"/>
-      </a:accent6>
-      <a:hlink>
-        <a:srgbClr val="BE1E3C"/>
-      </a:hlink>
-      <a:folHlink>
-        <a:srgbClr val="760054"/>
-      </a:folHlink>
-    </a:clrScheme>
-    <a:fontScheme name="Office">
-      <a:majorFont>
-        <a:latin typeface="Arial"/>
-        <a:ea typeface=""/>
-        <a:cs typeface=""/>
-        <a:font script="Jpan" typeface="ＭＳ Ｐゴシック"/>
-        <a:font script="Hang" typeface="맑은 고딕"/>
-        <a:font script="Hans" typeface="宋体"/>
-        <a:font script="Hant" typeface="新細明體"/>
-        <a:font script="Arab" typeface="Times New Roman"/>
-        <a:font script="Hebr" typeface="Times New Roman"/>
-        <a:font script="Thai" typeface="Angsana New"/>
-        <a:font script="Ethi" typeface="Nyala"/>
-        <a:font script="Beng" typeface="Vrinda"/>
-        <a:font script="Gujr" typeface="Shruti"/>
-        <a:font script="Khmr" typeface="MoolBoran"/>
-        <a:font script="Knda" typeface="Tunga"/>
-        <a:font script="Guru" typeface="Raavi"/>
-        <a:font script="Cans" typeface="Euphemia"/>
-        <a:font script="Cher" typeface="Plantagenet Cherokee"/>
-        <a:font script="Yiii" typeface="Microsoft Yi Baiti"/>
-        <a:font script="Tibt" typeface="Microsoft Himalaya"/>
-        <a:font script="Thaa" typeface="MV Boli"/>
-        <a:font script="Deva" typeface="Mangal"/>
-        <a:font script="Telu" typeface="Gautami"/>
-        <a:font script="Taml" typeface="Latha"/>
-        <a:font script="Syrc" typeface="Estrangelo Edessa"/>
-        <a:font script="Orya" typeface="Kalinga"/>
-        <a:font script="Mlym" typeface="Kartika"/>
-        <a:font script="Laoo" typeface="DokChampa"/>
-        <a:font script="Sinh" typeface="Iskoola Pota"/>
-        <a:font script="Mong" typeface="Mongolian Baiti"/>
-        <a:font script="Viet" typeface="Times New Roman"/>
-        <a:font script="Uigh" typeface="Microsoft Uighur"/>
-        <a:font script="Geor" typeface="Sylfaen"/>
-      </a:majorFont>
-      <a:minorFont>
-        <a:latin typeface="Arial"/>
-        <a:ea typeface=""/>
-        <a:cs typeface=""/>
-        <a:font script="Jpan" typeface="ＭＳ Ｐゴシック"/>
-        <a:font script="Hang" typeface="맑은 고딕"/>
-        <a:font script="Hans" typeface="宋体"/>
-        <a:font script="Hant" typeface="新細明體"/>
-        <a:font script="Arab" typeface="Arial"/>
-        <a:font script="Hebr" typeface="Arial"/>
-        <a:font script="Thai" typeface="Cordia New"/>
-        <a:font script="Ethi" typeface="Nyala"/>
-        <a:font script="Beng" typeface="Vrinda"/>
-        <a:font script="Gujr" typeface="Shruti"/>
-        <a:font script="Khmr" typeface="DaunPenh"/>
-        <a:font script="Knda" typeface="Tunga"/>
-        <a:font script="Guru" typeface="Raavi"/>
-        <a:font script="Cans" typeface="Euphemia"/>
-        <a:font script="Cher" typeface="Plantagenet Cherokee"/>
-        <a:font script="Yiii" typeface="Microsoft Yi Baiti"/>
-        <a:font script="Tibt" typeface="Microsoft Himalaya"/>
-        <a:font script="Thaa" typeface="MV Boli"/>
-        <a:font script="Deva" typeface="Mangal"/>
-        <a:font script="Telu" typeface="Gautami"/>
-        <a:font script="Taml" typeface="Latha"/>
-        <a:font script="Syrc" typeface="Estrangelo Edessa"/>
-        <a:font script="Orya" typeface="Kalinga"/>
-        <a:font script="Mlym" typeface="Kartika"/>
-        <a:font script="Laoo" typeface="DokChampa"/>
-        <a:font script="Sinh" typeface="Iskoola Pota"/>
-        <a:font script="Mong" typeface="Mongolian Baiti"/>
-        <a:font script="Viet" typeface="Arial"/>
-        <a:font script="Uigh" typeface="Microsoft Uighur"/>
-        <a:font script="Geor" typeface="Sylfaen"/>
-      </a:minorFont>
-    </a:fontScheme>
-    <a:fmtScheme name="Office">
-      <a:fillStyleLst>
-        <a:solidFill>
-          <a:schemeClr val="phClr"/>
-        </a:solidFill>
-        <a:gradFill rotWithShape="1">
-          <a:gsLst>
-            <a:gs pos="0">
-              <a:schemeClr val="phClr">
-                <a:tint val="50000"/>
-                <a:satMod val="300000"/>
-              </a:schemeClr>
-            </a:gs>
-            <a:gs pos="35000">
-              <a:schemeClr val="phClr">
-                <a:tint val="37000"/>
-                <a:satMod val="300000"/>
-              </a:schemeClr>
-            </a:gs>
-            <a:gs pos="100000">
-              <a:schemeClr val="phClr">
-                <a:tint val="15000"/>
-                <a:satMod val="350000"/>
-              </a:schemeClr>
-            </a:gs>
-          </a:gsLst>
-          <a:lin ang="16200000" scaled="1"/>
-        </a:gradFill>
-        <a:gradFill rotWithShape="1">
-          <a:gsLst>
-            <a:gs pos="0">
-              <a:schemeClr val="phClr">
-                <a:tint val="100000"/>
-                <a:shade val="100000"/>
-                <a:satMod val="130000"/>
-              </a:schemeClr>
-            </a:gs>
-            <a:gs pos="100000">
-              <a:schemeClr val="phClr">
-                <a:tint val="50000"/>
-                <a:shade val="100000"/>
-                <a:satMod val="350000"/>
-              </a:schemeClr>
-            </a:gs>
-          </a:gsLst>
-          <a:lin ang="16200000" scaled="0"/>
-        </a:gradFill>
-      </a:fillStyleLst>
-      <a:lnStyleLst>
-        <a:ln w="9525" cap="flat" cmpd="sng" algn="ctr">
-          <a:solidFill>
-            <a:schemeClr val="phClr">
-              <a:shade val="95000"/>
-              <a:satMod val="105000"/>
-            </a:schemeClr>
-          </a:solidFill>
-          <a:prstDash val="solid"/>
-        </a:ln>
-        <a:ln w="25400" cap="flat" cmpd="sng" algn="ctr">
-          <a:solidFill>
-            <a:schemeClr val="phClr"/>
-          </a:solidFill>
-          <a:prstDash val="solid"/>
-        </a:ln>
-        <a:ln w="38100" cap="flat" cmpd="sng" algn="ctr">
-          <a:solidFill>
-            <a:schemeClr val="phClr"/>
-          </a:solidFill>
-          <a:prstDash val="solid"/>
-        </a:ln>
-      </a:lnStyleLst>
-      <a:effectStyleLst>
-        <a:effectStyle>
-          <a:effectLst>
-            <a:outerShdw blurRad="40000" dist="20000" dir="5400000" rotWithShape="0">
-              <a:srgbClr val="000000">
-                <a:alpha val="38000"/>
-              </a:srgbClr>
-            </a:outerShdw>
-          </a:effectLst>
-        </a:effectStyle>
-        <a:effectStyle>
-          <a:effectLst>
-            <a:outerShdw blurRad="40000" dist="23000" dir="5400000" rotWithShape="0">
-              <a:srgbClr val="000000">
-                <a:alpha val="35000"/>
-              </a:srgbClr>
-            </a:outerShdw>
-          </a:effectLst>
-        </a:effectStyle>
-        <a:effectStyle>
-          <a:effectLst>
-            <a:outerShdw blurRad="40000" dist="23000" dir="5400000" rotWithShape="0">
-              <a:srgbClr val="000000">
-                <a:alpha val="35000"/>
-              </a:srgbClr>
-            </a:outerShdw>
-          </a:effectLst>
-          <a:scene3d>
-            <a:camera prst="orthographicFront">
-              <a:rot lat="0" lon="0" rev="0"/>
-            </a:camera>
-            <a:lightRig rig="threePt" dir="t">
-              <a:rot lat="0" lon="0" rev="1200000"/>
-            </a:lightRig>
-          </a:scene3d>
-          <a:sp3d>
-            <a:bevelT w="63500" h="25400"/>
-          </a:sp3d>
-        </a:effectStyle>
-      </a:effectStyleLst>
-      <a:bgFillStyleLst>
-        <a:solidFill>
-          <a:schemeClr val="phClr"/>
-        </a:solidFill>
-        <a:gradFill rotWithShape="1">
-          <a:gsLst>
-            <a:gs pos="0">
-              <a:schemeClr val="phClr">
-                <a:tint val="40000"/>
-                <a:satMod val="350000"/>
-              </a:schemeClr>
-            </a:gs>
-            <a:gs pos="40000">
-              <a:schemeClr val="phClr">
-                <a:tint val="45000"/>
-                <a:shade val="99000"/>
-                <a:satMod val="350000"/>
-              </a:schemeClr>
-            </a:gs>
-            <a:gs pos="100000">
-              <a:schemeClr val="phClr">
-                <a:shade val="20000"/>
-                <a:satMod val="255000"/>
-              </a:schemeClr>
-            </a:gs>
-          </a:gsLst>
-          <a:path path="circle">
-            <a:fillToRect l="50000" t="-80000" r="50000" b="180000"/>
-          </a:path>
-        </a:gradFill>
-        <a:gradFill rotWithShape="1">
-          <a:gsLst>
-            <a:gs pos="0">
-              <a:schemeClr val="phClr">
-                <a:tint val="80000"/>
-                <a:satMod val="300000"/>
-              </a:schemeClr>
-            </a:gs>
-            <a:gs pos="100000">
-              <a:schemeClr val="phClr">
-                <a:shade val="30000"/>
-                <a:satMod val="200000"/>
-              </a:schemeClr>
-            </a:gs>
-          </a:gsLst>
-          <a:path path="circle">
-            <a:fillToRect l="50000" t="50000" r="50000" b="50000"/>
-          </a:path>
-        </a:gradFill>
-      </a:bgFillStyleLst>
-    </a:fmtScheme>
-  </a:themeElements>
-</a:theme>
 </file>
--- a/slides/02_arrays_loops_parameterization.pptx
+++ b/slides/02_arrays_loops_parameterization.pptx
@@ -12748,7 +12748,7 @@
             </a:pPr>
             <a:r>
               <a:rPr lang="de"/>
-              <a:t>Variablen können falls notwendig zum passenden Datentypen geparst werden</a:t>
+              <a:t>Variablen können, falls notwendig, zum passenden Datentypen geparst werden</a:t>
             </a:r>
             <a:br>
               <a:rPr lang="de"/>
